--- a/[Architect]/201612-nadeshiko-phase1/00.事前調査/nadeshiko ギャップ分析.pptx
+++ b/[Architect]/201612-nadeshiko-phase1/00.事前調査/nadeshiko ギャップ分析.pptx
@@ -10,7 +10,7 @@
     <p:sldId id="258" r:id="rId5"/>
     <p:sldId id="259" r:id="rId6"/>
     <p:sldId id="260" r:id="rId7"/>
-    <p:sldId id="261" r:id="rId8"/>
+    <p:sldId id="268" r:id="rId8"/>
     <p:sldId id="262" r:id="rId9"/>
     <p:sldId id="263" r:id="rId10"/>
     <p:sldId id="264" r:id="rId11"/>
@@ -3545,7 +3545,11 @@
             </a:r>
             <a:r>
               <a:rPr lang="ja-JP" altLang="en-US"/>
-              <a:t>は参考サイトとしての「京都きもの友禅」</a:t>
+              <a:t>は参考サイトとしての「着物　たちばな</a:t>
+            </a:r>
+            <a:r>
+              <a:rPr lang="ja-JP" altLang="en-US"/>
+              <a:t>」</a:t>
             </a:r>
             <a:endParaRPr lang="ja-JP" altLang="en-US"/>
           </a:p>
@@ -3555,7 +3559,7 @@
             </a:pPr>
             <a:r>
               <a:rPr lang="en-US" altLang="ja-JP"/>
-              <a:t>(http://www.kyotokimonoyuzen.co.jp/)</a:t>
+              <a:t>(http://www.tachibana-group.co.jp/furisode/)</a:t>
             </a:r>
             <a:r>
               <a:rPr lang="ja-JP" altLang="en-US"/>
@@ -3624,15 +3628,7 @@
             </a:pPr>
             <a:r>
               <a:rPr lang="ja-JP" altLang="en-US"/>
-              <a:t>・ホーム画面より振袖ページ</a:t>
-            </a:r>
-            <a:r>
-              <a:rPr lang="ja-JP" altLang="en-US"/>
-              <a:t>とレンタルページに遷移することが出来る。レンタルページは別サイトであった</a:t>
-            </a:r>
-            <a:r>
-              <a:rPr lang="ja-JP" altLang="en-US"/>
-              <a:t>。（販売は同ページ内での表示）</a:t>
+              <a:t>・ホーム画面より振袖ページとレンタルページに遷移することが出来る。レンタルページは別サイトであった。（販売は同ページ内での表示）</a:t>
             </a:r>
             <a:endParaRPr lang="ja-JP" altLang="en-US"/>
           </a:p>
@@ -3642,11 +3638,7 @@
             </a:pPr>
             <a:r>
               <a:rPr lang="ja-JP" altLang="en-US"/>
-              <a:t>・振袖</a:t>
-            </a:r>
-            <a:r>
-              <a:rPr lang="ja-JP" altLang="en-US"/>
-              <a:t>ページより着物を選択し、ご来店予約ページに遷移すると、ユーザー情報入力画面となる。</a:t>
+              <a:t>・振袖ページより着物を選択し、ご来店予約ページに遷移すると、ユーザー情報入力画面となる。</a:t>
             </a:r>
             <a:endParaRPr lang="ja-JP" altLang="en-US"/>
           </a:p>
@@ -3829,39 +3821,31 @@
       <p:grpSpPr/>
       <p:sp>
         <p:nvSpPr>
-          <p:cNvPr id="39" name="角丸四角形 38"/>
+          <p:cNvPr id="35" name="角丸四角形 34"/>
           <p:cNvSpPr/>
           <p:nvPr/>
         </p:nvSpPr>
         <p:spPr>
           <a:xfrm>
-            <a:off x="6740525" y="2345690"/>
-            <a:ext cx="3796030" cy="2859405"/>
+            <a:off x="6484620" y="3343275"/>
+            <a:ext cx="2847340" cy="2543175"/>
           </a:xfrm>
           <a:prstGeom prst="roundRect">
             <a:avLst/>
           </a:prstGeom>
-          <a:solidFill>
-            <a:schemeClr val="accent4">
-              <a:lumMod val="40000"/>
-              <a:lumOff val="60000"/>
-            </a:schemeClr>
-          </a:solidFill>
         </p:spPr>
         <p:style>
           <a:lnRef idx="2">
-            <a:schemeClr val="accent1">
-              <a:shade val="50000"/>
-            </a:schemeClr>
+            <a:schemeClr val="accent6"/>
           </a:lnRef>
           <a:fillRef idx="1">
-            <a:schemeClr val="accent1"/>
+            <a:schemeClr val="lt1"/>
           </a:fillRef>
           <a:effectRef idx="0">
-            <a:schemeClr val="accent1"/>
+            <a:schemeClr val="accent6"/>
           </a:effectRef>
           <a:fontRef idx="minor">
-            <a:schemeClr val="lt1"/>
+            <a:schemeClr val="dk1"/>
           </a:fontRef>
         </p:style>
         <p:txBody>
@@ -3874,39 +3858,31 @@
       </p:sp>
       <p:sp>
         <p:nvSpPr>
-          <p:cNvPr id="36" name="角丸四角形 35"/>
+          <p:cNvPr id="34" name="角丸四角形 33"/>
           <p:cNvSpPr/>
           <p:nvPr/>
         </p:nvSpPr>
         <p:spPr>
           <a:xfrm>
-            <a:off x="7847330" y="751840"/>
-            <a:ext cx="2896235" cy="1204595"/>
+            <a:off x="6484620" y="1457325"/>
+            <a:ext cx="2750185" cy="998220"/>
           </a:xfrm>
           <a:prstGeom prst="roundRect">
             <a:avLst/>
           </a:prstGeom>
-          <a:solidFill>
-            <a:schemeClr val="accent4">
-              <a:lumMod val="40000"/>
-              <a:lumOff val="60000"/>
-            </a:schemeClr>
-          </a:solidFill>
         </p:spPr>
         <p:style>
           <a:lnRef idx="2">
-            <a:schemeClr val="accent1">
-              <a:shade val="50000"/>
-            </a:schemeClr>
+            <a:schemeClr val="accent6"/>
           </a:lnRef>
           <a:fillRef idx="1">
-            <a:schemeClr val="accent1"/>
+            <a:schemeClr val="lt1"/>
           </a:fillRef>
           <a:effectRef idx="0">
-            <a:schemeClr val="accent1"/>
+            <a:schemeClr val="accent6"/>
           </a:effectRef>
           <a:fontRef idx="minor">
-            <a:schemeClr val="lt1"/>
+            <a:schemeClr val="dk1"/>
           </a:fontRef>
         </p:style>
         <p:txBody>
@@ -3919,14 +3895,14 @@
       </p:sp>
       <p:sp>
         <p:nvSpPr>
-          <p:cNvPr id="35" name="六角形 34"/>
+          <p:cNvPr id="22" name="六角形 21"/>
           <p:cNvSpPr/>
           <p:nvPr/>
         </p:nvSpPr>
         <p:spPr>
           <a:xfrm>
-            <a:off x="1228090" y="2029460"/>
-            <a:ext cx="1715770" cy="377190"/>
+            <a:off x="1447165" y="4912995"/>
+            <a:ext cx="1119505" cy="377190"/>
           </a:xfrm>
           <a:prstGeom prst="hexagon">
             <a:avLst/>
@@ -3934,18 +3910,16 @@
         </p:spPr>
         <p:style>
           <a:lnRef idx="2">
-            <a:schemeClr val="accent1">
-              <a:shade val="50000"/>
-            </a:schemeClr>
+            <a:schemeClr val="accent6"/>
           </a:lnRef>
           <a:fillRef idx="1">
-            <a:schemeClr val="accent1"/>
+            <a:schemeClr val="lt1"/>
           </a:fillRef>
           <a:effectRef idx="0">
-            <a:schemeClr val="accent1"/>
+            <a:schemeClr val="accent6"/>
           </a:effectRef>
           <a:fontRef idx="minor">
-            <a:schemeClr val="lt1"/>
+            <a:schemeClr val="dk1"/>
           </a:fontRef>
         </p:style>
         <p:txBody>
@@ -3958,14 +3932,14 @@
       </p:sp>
       <p:sp>
         <p:nvSpPr>
-          <p:cNvPr id="34" name="六角形 33"/>
+          <p:cNvPr id="20" name="六角形 19"/>
           <p:cNvSpPr/>
           <p:nvPr/>
         </p:nvSpPr>
         <p:spPr>
           <a:xfrm>
-            <a:off x="1216025" y="982980"/>
-            <a:ext cx="1192530" cy="353060"/>
+            <a:off x="1459230" y="4073525"/>
+            <a:ext cx="3273425" cy="499110"/>
           </a:xfrm>
           <a:prstGeom prst="hexagon">
             <a:avLst/>
@@ -3973,18 +3947,16 @@
         </p:spPr>
         <p:style>
           <a:lnRef idx="2">
-            <a:schemeClr val="accent1">
-              <a:shade val="50000"/>
-            </a:schemeClr>
+            <a:schemeClr val="accent6"/>
           </a:lnRef>
           <a:fillRef idx="1">
-            <a:schemeClr val="accent1"/>
+            <a:schemeClr val="lt1"/>
           </a:fillRef>
           <a:effectRef idx="0">
-            <a:schemeClr val="accent1"/>
+            <a:schemeClr val="accent6"/>
           </a:effectRef>
           <a:fontRef idx="minor">
-            <a:schemeClr val="lt1"/>
+            <a:schemeClr val="dk1"/>
           </a:fontRef>
         </p:style>
         <p:txBody>
@@ -3997,14 +3969,14 @@
       </p:sp>
       <p:sp>
         <p:nvSpPr>
-          <p:cNvPr id="33" name="六角形 32"/>
+          <p:cNvPr id="19" name="六角形 18"/>
           <p:cNvSpPr/>
           <p:nvPr/>
         </p:nvSpPr>
         <p:spPr>
           <a:xfrm>
-            <a:off x="8115300" y="1542415"/>
-            <a:ext cx="1313815" cy="280035"/>
+            <a:off x="3637280" y="3282950"/>
+            <a:ext cx="2178050" cy="547370"/>
           </a:xfrm>
           <a:prstGeom prst="hexagon">
             <a:avLst/>
@@ -4012,18 +3984,16 @@
         </p:spPr>
         <p:style>
           <a:lnRef idx="2">
-            <a:schemeClr val="accent1">
-              <a:shade val="50000"/>
-            </a:schemeClr>
+            <a:schemeClr val="accent6"/>
           </a:lnRef>
           <a:fillRef idx="1">
-            <a:schemeClr val="accent1"/>
+            <a:schemeClr val="lt1"/>
           </a:fillRef>
           <a:effectRef idx="0">
-            <a:schemeClr val="accent1"/>
+            <a:schemeClr val="accent6"/>
           </a:effectRef>
           <a:fontRef idx="minor">
-            <a:schemeClr val="lt1"/>
+            <a:schemeClr val="dk1"/>
           </a:fontRef>
         </p:style>
         <p:txBody>
@@ -4036,14 +4006,14 @@
       </p:sp>
       <p:sp>
         <p:nvSpPr>
-          <p:cNvPr id="32" name="六角形 31"/>
+          <p:cNvPr id="18" name="六角形 17"/>
           <p:cNvSpPr/>
           <p:nvPr/>
         </p:nvSpPr>
         <p:spPr>
           <a:xfrm>
-            <a:off x="8078470" y="970915"/>
-            <a:ext cx="2299970" cy="316230"/>
+            <a:off x="1471930" y="3319145"/>
+            <a:ext cx="1751965" cy="499110"/>
           </a:xfrm>
           <a:prstGeom prst="hexagon">
             <a:avLst/>
@@ -4051,108 +4021,36 @@
         </p:spPr>
         <p:style>
           <a:lnRef idx="2">
-            <a:schemeClr val="accent1">
-              <a:shade val="50000"/>
-            </a:schemeClr>
+            <a:schemeClr val="accent6"/>
           </a:lnRef>
           <a:fillRef idx="1">
-            <a:schemeClr val="accent1"/>
+            <a:schemeClr val="lt1"/>
           </a:fillRef>
           <a:effectRef idx="0">
-            <a:schemeClr val="accent1"/>
+            <a:schemeClr val="accent6"/>
           </a:effectRef>
           <a:fontRef idx="minor">
-            <a:schemeClr val="lt1"/>
+            <a:schemeClr val="dk1"/>
           </a:fontRef>
         </p:style>
         <p:txBody>
           <a:bodyPr rtlCol="0" anchor="ctr"/>
           <a:p>
             <a:pPr algn="ctr"/>
-            <a:endParaRPr lang="ja-JP" altLang="en-US"/>
-          </a:p>
-        </p:txBody>
-      </p:sp>
-      <p:sp>
-        <p:nvSpPr>
-          <p:cNvPr id="4" name="コンテンツプレースホルダ 3"/>
-          <p:cNvSpPr>
-            <a:spLocks noGrp="1"/>
-          </p:cNvSpPr>
-          <p:nvPr>
-            <p:ph/>
-          </p:nvPr>
-        </p:nvSpPr>
-        <p:spPr/>
-        <p:txBody>
-          <a:bodyPr/>
-          <a:p>
-            <a:pPr marL="0" indent="0">
-              <a:buNone/>
-            </a:pPr>
-            <a:r>
-              <a:rPr lang="ja-JP" altLang="en-US"/>
-              <a:t>・ユーザー画面遷移図</a:t>
-            </a:r>
-            <a:endParaRPr lang="ja-JP" altLang="en-US"/>
-          </a:p>
-          <a:p>
-            <a:pPr marL="0" indent="0">
-              <a:buNone/>
-            </a:pPr>
-            <a:endParaRPr lang="ja-JP" altLang="en-US"/>
-          </a:p>
-          <a:p>
-            <a:pPr marL="0" indent="0">
-              <a:buNone/>
-            </a:pPr>
-            <a:endParaRPr lang="ja-JP" altLang="en-US"/>
-          </a:p>
-        </p:txBody>
-      </p:sp>
-      <p:sp>
-        <p:nvSpPr>
-          <p:cNvPr id="7" name="テキストボックス 6"/>
-          <p:cNvSpPr txBox="1"/>
+            <a:endParaRPr lang="en-US" altLang="ja-JP"/>
+          </a:p>
+        </p:txBody>
+      </p:sp>
+      <p:sp>
+        <p:nvSpPr>
+          <p:cNvPr id="17" name="六角形 16"/>
+          <p:cNvSpPr/>
           <p:nvPr/>
         </p:nvSpPr>
         <p:spPr>
           <a:xfrm>
-            <a:off x="1298575" y="970915"/>
-            <a:ext cx="1086485" cy="368300"/>
-          </a:xfrm>
-          <a:prstGeom prst="rect">
-            <a:avLst/>
-          </a:prstGeom>
-          <a:noFill/>
-        </p:spPr>
-        <p:txBody>
-          <a:bodyPr wrap="square" rtlCol="0">
-            <a:spAutoFit/>
-          </a:bodyPr>
-          <a:p>
-            <a:r>
-              <a:rPr lang="en-US" altLang="ja-JP"/>
-              <a:t>TOP</a:t>
-            </a:r>
-            <a:r>
-              <a:rPr lang="ja-JP" altLang="en-US"/>
-              <a:t>画面</a:t>
-            </a:r>
-            <a:endParaRPr lang="ja-JP" altLang="en-US"/>
-          </a:p>
-        </p:txBody>
-      </p:sp>
-      <p:sp>
-        <p:nvSpPr>
-          <p:cNvPr id="9" name="六角形 8"/>
-          <p:cNvSpPr/>
-          <p:nvPr/>
-        </p:nvSpPr>
-        <p:spPr>
-          <a:xfrm>
-            <a:off x="1021715" y="2929890"/>
-            <a:ext cx="1860550" cy="462915"/>
+            <a:off x="1471930" y="2588895"/>
+            <a:ext cx="1569720" cy="462280"/>
           </a:xfrm>
           <a:prstGeom prst="hexagon">
             <a:avLst/>
@@ -4160,18 +4058,16 @@
         </p:spPr>
         <p:style>
           <a:lnRef idx="2">
-            <a:schemeClr val="accent1">
-              <a:shade val="50000"/>
-            </a:schemeClr>
+            <a:schemeClr val="accent6"/>
           </a:lnRef>
           <a:fillRef idx="1">
-            <a:schemeClr val="accent1"/>
+            <a:schemeClr val="lt1"/>
           </a:fillRef>
           <a:effectRef idx="0">
-            <a:schemeClr val="accent1"/>
+            <a:schemeClr val="accent6"/>
           </a:effectRef>
           <a:fontRef idx="minor">
-            <a:schemeClr val="lt1"/>
+            <a:schemeClr val="dk1"/>
           </a:fontRef>
         </p:style>
         <p:txBody>
@@ -4184,14 +4080,14 @@
       </p:sp>
       <p:sp>
         <p:nvSpPr>
-          <p:cNvPr id="10" name="六角形 9"/>
+          <p:cNvPr id="16" name="六角形 15"/>
           <p:cNvSpPr/>
           <p:nvPr/>
         </p:nvSpPr>
         <p:spPr>
           <a:xfrm>
-            <a:off x="1033780" y="3866515"/>
-            <a:ext cx="1848485" cy="511175"/>
+            <a:off x="1447165" y="1834515"/>
+            <a:ext cx="1581785" cy="474980"/>
           </a:xfrm>
           <a:prstGeom prst="hexagon">
             <a:avLst/>
@@ -4199,18 +4095,16 @@
         </p:spPr>
         <p:style>
           <a:lnRef idx="2">
-            <a:schemeClr val="accent1">
-              <a:shade val="50000"/>
-            </a:schemeClr>
+            <a:schemeClr val="accent6"/>
           </a:lnRef>
           <a:fillRef idx="1">
-            <a:schemeClr val="accent1"/>
+            <a:schemeClr val="lt1"/>
           </a:fillRef>
           <a:effectRef idx="0">
-            <a:schemeClr val="accent1"/>
+            <a:schemeClr val="accent6"/>
           </a:effectRef>
           <a:fontRef idx="minor">
-            <a:schemeClr val="lt1"/>
+            <a:schemeClr val="dk1"/>
           </a:fontRef>
         </p:style>
         <p:txBody>
@@ -4223,14 +4117,14 @@
       </p:sp>
       <p:sp>
         <p:nvSpPr>
-          <p:cNvPr id="11" name="六角形 10"/>
+          <p:cNvPr id="14" name="六角形 13"/>
           <p:cNvSpPr/>
           <p:nvPr/>
         </p:nvSpPr>
         <p:spPr>
           <a:xfrm>
-            <a:off x="3454400" y="3866515"/>
-            <a:ext cx="2334895" cy="510540"/>
+            <a:off x="1423035" y="1092200"/>
+            <a:ext cx="1107440" cy="401955"/>
           </a:xfrm>
           <a:prstGeom prst="hexagon">
             <a:avLst/>
@@ -4238,18 +4132,16 @@
         </p:spPr>
         <p:style>
           <a:lnRef idx="2">
-            <a:schemeClr val="accent1">
-              <a:shade val="50000"/>
-            </a:schemeClr>
+            <a:schemeClr val="accent6"/>
           </a:lnRef>
           <a:fillRef idx="1">
-            <a:schemeClr val="accent1"/>
+            <a:schemeClr val="lt1"/>
           </a:fillRef>
           <a:effectRef idx="0">
-            <a:schemeClr val="accent1"/>
+            <a:schemeClr val="accent6"/>
           </a:effectRef>
           <a:fontRef idx="minor">
-            <a:schemeClr val="lt1"/>
+            <a:schemeClr val="dk1"/>
           </a:fontRef>
         </p:style>
         <p:txBody>
@@ -4262,91 +4154,83 @@
       </p:sp>
       <p:sp>
         <p:nvSpPr>
-          <p:cNvPr id="12" name="六角形 11"/>
-          <p:cNvSpPr/>
+          <p:cNvPr id="4" name="コンテンツプレースホルダ 3"/>
+          <p:cNvSpPr>
+            <a:spLocks noGrp="1"/>
+          </p:cNvSpPr>
+          <p:nvPr>
+            <p:ph/>
+          </p:nvPr>
+        </p:nvSpPr>
+        <p:spPr/>
+        <p:txBody>
+          <a:bodyPr/>
+          <a:p>
+            <a:pPr marL="0" indent="0">
+              <a:buNone/>
+            </a:pPr>
+            <a:r>
+              <a:rPr lang="ja-JP" altLang="en-US"/>
+              <a:t>・ユーザー画面遷移図</a:t>
+            </a:r>
+            <a:endParaRPr lang="ja-JP" altLang="en-US"/>
+          </a:p>
+          <a:p>
+            <a:pPr marL="0" indent="0">
+              <a:buNone/>
+            </a:pPr>
+            <a:endParaRPr lang="ja-JP" altLang="en-US"/>
+          </a:p>
+          <a:p>
+            <a:pPr marL="0" indent="0">
+              <a:buNone/>
+            </a:pPr>
+            <a:endParaRPr lang="ja-JP" altLang="en-US"/>
+          </a:p>
+        </p:txBody>
+      </p:sp>
+      <p:sp>
+        <p:nvSpPr>
+          <p:cNvPr id="5" name="テキストボックス 4"/>
+          <p:cNvSpPr txBox="1"/>
           <p:nvPr/>
         </p:nvSpPr>
         <p:spPr>
           <a:xfrm>
-            <a:off x="1009650" y="4767580"/>
-            <a:ext cx="3370580" cy="522605"/>
+            <a:off x="1471930" y="1116965"/>
+            <a:ext cx="1013460" cy="368300"/>
           </a:xfrm>
-          <a:prstGeom prst="hexagon">
+          <a:prstGeom prst="rect">
             <a:avLst/>
           </a:prstGeom>
+          <a:noFill/>
         </p:spPr>
-        <p:style>
-          <a:lnRef idx="2">
-            <a:schemeClr val="accent1">
-              <a:shade val="50000"/>
-            </a:schemeClr>
-          </a:lnRef>
-          <a:fillRef idx="1">
-            <a:schemeClr val="accent1"/>
-          </a:fillRef>
-          <a:effectRef idx="0">
-            <a:schemeClr val="accent1"/>
-          </a:effectRef>
-          <a:fontRef idx="minor">
-            <a:schemeClr val="lt1"/>
-          </a:fontRef>
-        </p:style>
-        <p:txBody>
-          <a:bodyPr rtlCol="0" anchor="ctr"/>
-          <a:p>
-            <a:pPr algn="ctr"/>
-            <a:endParaRPr lang="ja-JP" altLang="en-US"/>
-          </a:p>
-        </p:txBody>
-      </p:sp>
-      <p:sp>
-        <p:nvSpPr>
-          <p:cNvPr id="13" name="六角形 12"/>
-          <p:cNvSpPr/>
+        <p:txBody>
+          <a:bodyPr wrap="none" rtlCol="0">
+            <a:spAutoFit/>
+          </a:bodyPr>
+          <a:p>
+            <a:r>
+              <a:rPr lang="en-US" altLang="ja-JP"/>
+              <a:t>TOP</a:t>
+            </a:r>
+            <a:r>
+              <a:rPr lang="ja-JP" altLang="en-US"/>
+              <a:t>画面</a:t>
+            </a:r>
+            <a:endParaRPr lang="ja-JP" altLang="en-US"/>
+          </a:p>
+        </p:txBody>
+      </p:sp>
+      <p:sp>
+        <p:nvSpPr>
+          <p:cNvPr id="6" name="テキストボックス 5"/>
+          <p:cNvSpPr txBox="1"/>
           <p:nvPr/>
         </p:nvSpPr>
         <p:spPr>
           <a:xfrm>
-            <a:off x="1045845" y="5740400"/>
-            <a:ext cx="1581785" cy="437515"/>
-          </a:xfrm>
-          <a:prstGeom prst="hexagon">
-            <a:avLst/>
-          </a:prstGeom>
-        </p:spPr>
-        <p:style>
-          <a:lnRef idx="2">
-            <a:schemeClr val="accent1">
-              <a:shade val="50000"/>
-            </a:schemeClr>
-          </a:lnRef>
-          <a:fillRef idx="1">
-            <a:schemeClr val="accent1"/>
-          </a:fillRef>
-          <a:effectRef idx="0">
-            <a:schemeClr val="accent1"/>
-          </a:effectRef>
-          <a:fontRef idx="minor">
-            <a:schemeClr val="lt1"/>
-          </a:fontRef>
-        </p:style>
-        <p:txBody>
-          <a:bodyPr rtlCol="0" anchor="ctr"/>
-          <a:p>
-            <a:pPr algn="ctr"/>
-            <a:endParaRPr lang="ja-JP" altLang="en-US"/>
-          </a:p>
-        </p:txBody>
-      </p:sp>
-      <p:sp>
-        <p:nvSpPr>
-          <p:cNvPr id="14" name="テキストボックス 13"/>
-          <p:cNvSpPr txBox="1"/>
-          <p:nvPr/>
-        </p:nvSpPr>
-        <p:spPr>
-          <a:xfrm>
-            <a:off x="1327785" y="2035175"/>
+            <a:off x="1471930" y="1884680"/>
             <a:ext cx="1554480" cy="365760"/>
           </a:xfrm>
           <a:prstGeom prst="rect">
@@ -4369,13 +4253,13 @@
       </p:sp>
       <p:sp>
         <p:nvSpPr>
-          <p:cNvPr id="15" name="テキストボックス 14"/>
+          <p:cNvPr id="7" name="テキストボックス 6"/>
           <p:cNvSpPr txBox="1"/>
           <p:nvPr/>
         </p:nvSpPr>
         <p:spPr>
           <a:xfrm>
-            <a:off x="1205865" y="2978150"/>
+            <a:off x="1471930" y="2649855"/>
             <a:ext cx="1554480" cy="365760"/>
           </a:xfrm>
           <a:prstGeom prst="rect">
@@ -4398,13 +4282,13 @@
       </p:sp>
       <p:sp>
         <p:nvSpPr>
-          <p:cNvPr id="16" name="テキストボックス 15"/>
+          <p:cNvPr id="9" name="テキストボックス 8"/>
           <p:cNvSpPr txBox="1"/>
           <p:nvPr/>
         </p:nvSpPr>
         <p:spPr>
           <a:xfrm>
-            <a:off x="1134745" y="3938905"/>
+            <a:off x="1471930" y="3404235"/>
             <a:ext cx="1747520" cy="365760"/>
           </a:xfrm>
           <a:prstGeom prst="rect">
@@ -4427,13 +4311,71 @@
       </p:sp>
       <p:sp>
         <p:nvSpPr>
-          <p:cNvPr id="17" name="テキストボックス 16"/>
+          <p:cNvPr id="10" name="テキストボックス 9"/>
           <p:cNvSpPr txBox="1"/>
           <p:nvPr/>
         </p:nvSpPr>
         <p:spPr>
           <a:xfrm>
-            <a:off x="3578225" y="3939540"/>
+            <a:off x="1471930" y="4159250"/>
+            <a:ext cx="3256280" cy="365760"/>
+          </a:xfrm>
+          <a:prstGeom prst="rect">
+            <a:avLst/>
+          </a:prstGeom>
+          <a:noFill/>
+        </p:spPr>
+        <p:txBody>
+          <a:bodyPr wrap="none" rtlCol="0">
+            <a:spAutoFit/>
+          </a:bodyPr>
+          <a:p>
+            <a:r>
+              <a:rPr lang="ja-JP" altLang="en-US"/>
+              <a:t>購入及びレンタル情報確認画面</a:t>
+            </a:r>
+            <a:endParaRPr lang="ja-JP" altLang="en-US"/>
+          </a:p>
+        </p:txBody>
+      </p:sp>
+      <p:sp>
+        <p:nvSpPr>
+          <p:cNvPr id="11" name="テキストボックス 10"/>
+          <p:cNvSpPr txBox="1"/>
+          <p:nvPr/>
+        </p:nvSpPr>
+        <p:spPr>
+          <a:xfrm>
+            <a:off x="1471930" y="4925060"/>
+            <a:ext cx="1097280" cy="365760"/>
+          </a:xfrm>
+          <a:prstGeom prst="rect">
+            <a:avLst/>
+          </a:prstGeom>
+          <a:noFill/>
+        </p:spPr>
+        <p:txBody>
+          <a:bodyPr wrap="none" rtlCol="0">
+            <a:spAutoFit/>
+          </a:bodyPr>
+          <a:p>
+            <a:r>
+              <a:rPr lang="ja-JP" altLang="en-US"/>
+              <a:t>確認画面</a:t>
+            </a:r>
+            <a:endParaRPr lang="ja-JP" altLang="en-US"/>
+          </a:p>
+        </p:txBody>
+      </p:sp>
+      <p:sp>
+        <p:nvSpPr>
+          <p:cNvPr id="12" name="テキストボックス 11"/>
+          <p:cNvSpPr txBox="1"/>
+          <p:nvPr/>
+        </p:nvSpPr>
+        <p:spPr>
+          <a:xfrm>
+            <a:off x="3698240" y="3401695"/>
             <a:ext cx="2086610" cy="365760"/>
           </a:xfrm>
           <a:prstGeom prst="rect">
@@ -4454,110 +4396,18 @@
           </a:p>
         </p:txBody>
       </p:sp>
-      <p:sp>
-        <p:nvSpPr>
-          <p:cNvPr id="19" name="テキストボックス 18"/>
-          <p:cNvSpPr txBox="1"/>
-          <p:nvPr/>
-        </p:nvSpPr>
-        <p:spPr>
-          <a:xfrm>
-            <a:off x="1123950" y="4846320"/>
-            <a:ext cx="3256280" cy="365760"/>
-          </a:xfrm>
-          <a:prstGeom prst="rect">
-            <a:avLst/>
-          </a:prstGeom>
-          <a:noFill/>
-        </p:spPr>
-        <p:txBody>
-          <a:bodyPr wrap="none" rtlCol="0">
-            <a:spAutoFit/>
-          </a:bodyPr>
-          <a:p>
-            <a:r>
-              <a:rPr lang="ja-JP" altLang="en-US"/>
-              <a:t>購入及びレンタル情報確認画面</a:t>
-            </a:r>
-            <a:endParaRPr lang="ja-JP" altLang="en-US"/>
-          </a:p>
-        </p:txBody>
-      </p:sp>
-      <p:sp>
-        <p:nvSpPr>
-          <p:cNvPr id="21" name="テキストボックス 20"/>
-          <p:cNvSpPr txBox="1"/>
-          <p:nvPr/>
-        </p:nvSpPr>
-        <p:spPr>
-          <a:xfrm>
-            <a:off x="1287780" y="5775960"/>
-            <a:ext cx="1097280" cy="365760"/>
-          </a:xfrm>
-          <a:prstGeom prst="rect">
-            <a:avLst/>
-          </a:prstGeom>
-          <a:noFill/>
-        </p:spPr>
-        <p:txBody>
-          <a:bodyPr wrap="none" rtlCol="0">
-            <a:spAutoFit/>
-          </a:bodyPr>
-          <a:p>
-            <a:r>
-              <a:rPr lang="ja-JP" altLang="en-US"/>
-              <a:t>確認画面</a:t>
-            </a:r>
-            <a:endParaRPr lang="ja-JP" altLang="en-US"/>
-          </a:p>
-        </p:txBody>
-      </p:sp>
       <p:cxnSp>
         <p:nvCxnSpPr>
-          <p:cNvPr id="22" name="直線矢印コネクタ 21"/>
+          <p:cNvPr id="23" name="直線矢印コネクタ 22"/>
           <p:cNvCxnSpPr>
             <a:stCxn id="5" idx="2"/>
           </p:cNvCxnSpPr>
           <p:nvPr/>
         </p:nvCxnSpPr>
         <p:spPr>
-          <a:xfrm flipH="1">
-            <a:off x="1569085" y="1396365"/>
-            <a:ext cx="2540" cy="560070"/>
-          </a:xfrm>
-          <a:prstGeom prst="straightConnector1">
-            <a:avLst/>
-          </a:prstGeom>
-          <a:ln>
-            <a:headEnd type="arrow"/>
-            <a:tailEnd type="arrow"/>
-          </a:ln>
-        </p:spPr>
-        <p:style>
-          <a:lnRef idx="1">
-            <a:schemeClr val="accent1"/>
-          </a:lnRef>
-          <a:fillRef idx="0">
-            <a:schemeClr val="accent1"/>
-          </a:fillRef>
-          <a:effectRef idx="0">
-            <a:schemeClr val="accent1"/>
-          </a:effectRef>
-          <a:fontRef idx="minor">
-            <a:schemeClr val="tx1"/>
-          </a:fontRef>
-        </p:style>
-      </p:cxnSp>
-      <p:cxnSp>
-        <p:nvCxnSpPr>
-          <p:cNvPr id="23" name="直線矢印コネクタ 22"/>
-          <p:cNvCxnSpPr/>
-          <p:nvPr/>
-        </p:nvCxnSpPr>
-        <p:spPr>
           <a:xfrm>
-            <a:off x="1557020" y="2479675"/>
-            <a:ext cx="0" cy="401320"/>
+            <a:off x="1978660" y="1485265"/>
+            <a:ext cx="3810" cy="337185"/>
           </a:xfrm>
           <a:prstGeom prst="straightConnector1">
             <a:avLst/>
@@ -4590,8 +4440,42 @@
         </p:nvCxnSpPr>
         <p:spPr>
           <a:xfrm>
-            <a:off x="1544955" y="3441065"/>
-            <a:ext cx="0" cy="364490"/>
+            <a:off x="1970405" y="2309495"/>
+            <a:ext cx="0" cy="231140"/>
+          </a:xfrm>
+          <a:prstGeom prst="straightConnector1">
+            <a:avLst/>
+          </a:prstGeom>
+          <a:ln>
+            <a:headEnd type="arrow"/>
+            <a:tailEnd type="arrow"/>
+          </a:ln>
+        </p:spPr>
+        <p:style>
+          <a:lnRef idx="1">
+            <a:schemeClr val="accent1"/>
+          </a:lnRef>
+          <a:fillRef idx="0">
+            <a:schemeClr val="accent1"/>
+          </a:fillRef>
+          <a:effectRef idx="0">
+            <a:schemeClr val="accent1"/>
+          </a:effectRef>
+          <a:fontRef idx="minor">
+            <a:schemeClr val="tx1"/>
+          </a:fontRef>
+        </p:style>
+      </p:cxnSp>
+      <p:cxnSp>
+        <p:nvCxnSpPr>
+          <p:cNvPr id="25" name="直線矢印コネクタ 24"/>
+          <p:cNvCxnSpPr/>
+          <p:nvPr/>
+        </p:nvCxnSpPr>
+        <p:spPr>
+          <a:xfrm>
+            <a:off x="1946275" y="3063875"/>
+            <a:ext cx="0" cy="231140"/>
           </a:xfrm>
           <a:prstGeom prst="straightConnector1">
             <a:avLst/>
@@ -4619,13 +4503,16 @@
       <p:cxnSp>
         <p:nvCxnSpPr>
           <p:cNvPr id="26" name="直線矢印コネクタ 25"/>
-          <p:cNvCxnSpPr/>
+          <p:cNvCxnSpPr>
+            <a:stCxn id="7" idx="3"/>
+            <a:endCxn id="19" idx="4"/>
+          </p:cNvCxnSpPr>
           <p:nvPr/>
         </p:nvCxnSpPr>
         <p:spPr>
           <a:xfrm>
-            <a:off x="2177415" y="3428365"/>
-            <a:ext cx="2397125" cy="389890"/>
+            <a:off x="3026410" y="2832735"/>
+            <a:ext cx="748030" cy="450215"/>
           </a:xfrm>
           <a:prstGeom prst="straightConnector1">
             <a:avLst/>
@@ -4658,8 +4545,8 @@
         </p:nvCxnSpPr>
         <p:spPr>
           <a:xfrm>
-            <a:off x="1544955" y="4414520"/>
-            <a:ext cx="0" cy="291465"/>
+            <a:off x="1934210" y="3830320"/>
+            <a:ext cx="0" cy="231140"/>
           </a:xfrm>
           <a:prstGeom prst="straightConnector1">
             <a:avLst/>
@@ -4688,14 +4575,14 @@
         <p:nvCxnSpPr>
           <p:cNvPr id="28" name="直線矢印コネクタ 27"/>
           <p:cNvCxnSpPr>
-            <a:stCxn id="11" idx="2"/>
+            <a:stCxn id="12" idx="1"/>
           </p:cNvCxnSpPr>
           <p:nvPr/>
         </p:nvCxnSpPr>
         <p:spPr>
           <a:xfrm flipH="1">
-            <a:off x="2542540" y="4377055"/>
-            <a:ext cx="1039495" cy="341630"/>
+            <a:off x="3211830" y="3584575"/>
+            <a:ext cx="486410" cy="488950"/>
           </a:xfrm>
           <a:prstGeom prst="straightConnector1">
             <a:avLst/>
@@ -4727,9 +4614,9 @@
           <p:nvPr/>
         </p:nvCxnSpPr>
         <p:spPr>
-          <a:xfrm>
-            <a:off x="1557020" y="5314950"/>
-            <a:ext cx="0" cy="364490"/>
+          <a:xfrm flipH="1">
+            <a:off x="1922145" y="4584700"/>
+            <a:ext cx="12065" cy="413385"/>
           </a:xfrm>
           <a:prstGeom prst="straightConnector1">
             <a:avLst/>
@@ -4762,65 +4649,7 @@
         </p:nvSpPr>
         <p:spPr>
           <a:xfrm>
-            <a:off x="8139430" y="946150"/>
-            <a:ext cx="2225040" cy="365760"/>
-          </a:xfrm>
-          <a:prstGeom prst="rect">
-            <a:avLst/>
-          </a:prstGeom>
-          <a:noFill/>
-        </p:spPr>
-        <p:txBody>
-          <a:bodyPr wrap="none" rtlCol="0">
-            <a:spAutoFit/>
-          </a:bodyPr>
-          <a:p>
-            <a:r>
-              <a:rPr lang="ja-JP" altLang="en-US"/>
-              <a:t>プライバシーポリシー</a:t>
-            </a:r>
-            <a:endParaRPr lang="ja-JP" altLang="en-US"/>
-          </a:p>
-        </p:txBody>
-      </p:sp>
-      <p:sp>
-        <p:nvSpPr>
-          <p:cNvPr id="31" name="テキストボックス 30"/>
-          <p:cNvSpPr txBox="1"/>
-          <p:nvPr/>
-        </p:nvSpPr>
-        <p:spPr>
-          <a:xfrm>
-            <a:off x="8225155" y="1493520"/>
-            <a:ext cx="1097280" cy="365760"/>
-          </a:xfrm>
-          <a:prstGeom prst="rect">
-            <a:avLst/>
-          </a:prstGeom>
-          <a:noFill/>
-        </p:spPr>
-        <p:txBody>
-          <a:bodyPr wrap="none" rtlCol="0">
-            <a:spAutoFit/>
-          </a:bodyPr>
-          <a:p>
-            <a:r>
-              <a:rPr lang="ja-JP" altLang="en-US"/>
-              <a:t>会社概要</a:t>
-            </a:r>
-            <a:endParaRPr lang="ja-JP" altLang="en-US"/>
-          </a:p>
-        </p:txBody>
-      </p:sp>
-      <p:sp>
-        <p:nvSpPr>
-          <p:cNvPr id="37" name="テキストボックス 36"/>
-          <p:cNvSpPr txBox="1"/>
-          <p:nvPr/>
-        </p:nvSpPr>
-        <p:spPr>
-          <a:xfrm>
-            <a:off x="8456295" y="365125"/>
+            <a:off x="7287895" y="995045"/>
             <a:ext cx="996950" cy="365760"/>
           </a:xfrm>
           <a:prstGeom prst="rect">
@@ -4843,14 +4672,14 @@
       </p:sp>
       <p:sp>
         <p:nvSpPr>
-          <p:cNvPr id="38" name="テキストボックス 37"/>
+          <p:cNvPr id="31" name="テキストボックス 30"/>
           <p:cNvSpPr txBox="1"/>
           <p:nvPr/>
         </p:nvSpPr>
         <p:spPr>
           <a:xfrm>
-            <a:off x="6873875" y="2467610"/>
-            <a:ext cx="2104390" cy="2562860"/>
+            <a:off x="6715760" y="1640205"/>
+            <a:ext cx="2339340" cy="640080"/>
           </a:xfrm>
           <a:prstGeom prst="rect">
             <a:avLst/>
@@ -4864,82 +4693,29 @@
           <a:p>
             <a:r>
               <a:rPr lang="ja-JP" altLang="en-US"/>
-              <a:t>・</a:t>
-            </a:r>
-            <a:r>
-              <a:rPr lang="en-US" altLang="ja-JP"/>
-              <a:t>Home</a:t>
-            </a:r>
-            <a:endParaRPr lang="en-US" altLang="ja-JP"/>
-          </a:p>
-          <a:p>
-            <a:r>
-              <a:rPr lang="ja-JP" altLang="en-US"/>
-              <a:t>・たちばなについて</a:t>
-            </a:r>
-            <a:endParaRPr lang="ja-JP" altLang="en-US"/>
-          </a:p>
-          <a:p>
-            <a:r>
-              <a:rPr lang="ja-JP" altLang="en-US"/>
-              <a:t>・レンタル</a:t>
-            </a:r>
-            <a:endParaRPr lang="ja-JP" altLang="en-US"/>
-          </a:p>
-          <a:p>
-            <a:r>
-              <a:rPr lang="ja-JP" altLang="en-US"/>
-              <a:t>・振袖</a:t>
-            </a:r>
-            <a:endParaRPr lang="ja-JP" altLang="en-US"/>
-          </a:p>
-          <a:p>
-            <a:r>
-              <a:rPr lang="ja-JP" altLang="en-US"/>
-              <a:t>・前結び着付け教室</a:t>
-            </a:r>
-            <a:endParaRPr lang="ja-JP" altLang="en-US"/>
-          </a:p>
-          <a:p>
-            <a:r>
-              <a:rPr lang="ja-JP" altLang="en-US"/>
-              <a:t>・着物お悩み相談</a:t>
-            </a:r>
-            <a:endParaRPr lang="ja-JP" altLang="en-US"/>
-          </a:p>
-          <a:p>
-            <a:r>
-              <a:rPr lang="ja-JP" altLang="en-US"/>
-              <a:t>・スタジオ</a:t>
-            </a:r>
-            <a:endParaRPr lang="ja-JP" altLang="en-US"/>
-          </a:p>
-          <a:p>
-            <a:r>
-              <a:rPr lang="ja-JP" altLang="en-US"/>
-              <a:t>・店舗案内</a:t>
-            </a:r>
-            <a:endParaRPr lang="ja-JP" altLang="en-US"/>
-          </a:p>
-          <a:p>
-            <a:r>
-              <a:rPr lang="ja-JP" altLang="en-US"/>
-              <a:t>・お問い合わせ</a:t>
-            </a:r>
-            <a:endParaRPr lang="ja-JP" altLang="en-US"/>
-          </a:p>
-        </p:txBody>
-      </p:sp>
-      <p:sp>
-        <p:nvSpPr>
-          <p:cNvPr id="40" name="テキストボックス 39"/>
+              <a:t>・プライバシーポリシー</a:t>
+            </a:r>
+            <a:endParaRPr lang="ja-JP" altLang="en-US"/>
+          </a:p>
+          <a:p>
+            <a:r>
+              <a:rPr lang="ja-JP" altLang="en-US"/>
+              <a:t>・会社概要</a:t>
+            </a:r>
+            <a:endParaRPr lang="ja-JP" altLang="en-US"/>
+          </a:p>
+        </p:txBody>
+      </p:sp>
+      <p:sp>
+        <p:nvSpPr>
+          <p:cNvPr id="32" name="テキストボックス 31"/>
           <p:cNvSpPr txBox="1"/>
           <p:nvPr/>
         </p:nvSpPr>
         <p:spPr>
           <a:xfrm>
-            <a:off x="10536555" y="3256915"/>
-            <a:ext cx="457200" cy="548640"/>
+            <a:off x="7287895" y="2914650"/>
+            <a:ext cx="573405" cy="365760"/>
           </a:xfrm>
           <a:prstGeom prst="rect">
             <a:avLst/>
@@ -4947,13 +4723,91 @@
           <a:noFill/>
         </p:spPr>
         <p:txBody>
-          <a:bodyPr vert="eaVert" wrap="none" rtlCol="0">
+          <a:bodyPr wrap="none" rtlCol="0">
             <a:spAutoFit/>
           </a:bodyPr>
           <a:p>
             <a:r>
               <a:rPr lang="ja-JP" altLang="en-US"/>
               <a:t>タグ</a:t>
+            </a:r>
+            <a:endParaRPr lang="ja-JP" altLang="en-US"/>
+          </a:p>
+        </p:txBody>
+      </p:sp>
+      <p:sp>
+        <p:nvSpPr>
+          <p:cNvPr id="33" name="テキストボックス 32"/>
+          <p:cNvSpPr txBox="1"/>
+          <p:nvPr/>
+        </p:nvSpPr>
+        <p:spPr>
+          <a:xfrm>
+            <a:off x="6715760" y="3462020"/>
+            <a:ext cx="2104390" cy="2286000"/>
+          </a:xfrm>
+          <a:prstGeom prst="rect">
+            <a:avLst/>
+          </a:prstGeom>
+          <a:noFill/>
+        </p:spPr>
+        <p:txBody>
+          <a:bodyPr wrap="none" rtlCol="0">
+            <a:spAutoFit/>
+          </a:bodyPr>
+          <a:p>
+            <a:r>
+              <a:rPr lang="ja-JP" altLang="en-US"/>
+              <a:t>・たちばなについて</a:t>
+            </a:r>
+            <a:endParaRPr lang="ja-JP" altLang="en-US"/>
+          </a:p>
+          <a:p>
+            <a:r>
+              <a:rPr lang="ja-JP" altLang="en-US"/>
+              <a:t>・レンタル</a:t>
+            </a:r>
+            <a:endParaRPr lang="ja-JP" altLang="en-US"/>
+          </a:p>
+          <a:p>
+            <a:r>
+              <a:rPr lang="ja-JP" altLang="en-US"/>
+              <a:t>・振袖</a:t>
+            </a:r>
+            <a:endParaRPr lang="ja-JP" altLang="en-US"/>
+          </a:p>
+          <a:p>
+            <a:r>
+              <a:rPr lang="ja-JP" altLang="en-US"/>
+              <a:t>・前結び着付け教室</a:t>
+            </a:r>
+            <a:endParaRPr lang="ja-JP" altLang="en-US"/>
+          </a:p>
+          <a:p>
+            <a:r>
+              <a:rPr lang="ja-JP" altLang="en-US"/>
+              <a:t>・着物お悩み相談</a:t>
+            </a:r>
+            <a:endParaRPr lang="ja-JP" altLang="en-US"/>
+          </a:p>
+          <a:p>
+            <a:r>
+              <a:rPr lang="ja-JP" altLang="en-US"/>
+              <a:t>・スタジオ</a:t>
+            </a:r>
+            <a:endParaRPr lang="ja-JP" altLang="en-US"/>
+          </a:p>
+          <a:p>
+            <a:r>
+              <a:rPr lang="ja-JP" altLang="en-US"/>
+              <a:t>・店舗案内</a:t>
+            </a:r>
+            <a:endParaRPr lang="ja-JP" altLang="en-US"/>
+          </a:p>
+          <a:p>
+            <a:r>
+              <a:rPr lang="ja-JP" altLang="en-US"/>
+              <a:t>・お問い合わせ</a:t>
             </a:r>
             <a:endParaRPr lang="ja-JP" altLang="en-US"/>
           </a:p>
@@ -5205,11 +5059,7 @@
             </a:pPr>
             <a:r>
               <a:rPr lang="ja-JP" altLang="en-US"/>
-              <a:t>・ログイン画面を実装し、会員制サイトにする。購入及びレンタルの手続きの際にログインし、購入履歴やレンタル日時の表示を可能にする</a:t>
-            </a:r>
-            <a:r>
-              <a:rPr lang="ja-JP" altLang="en-US"/>
-              <a:t>。</a:t>
+              <a:t>・ログイン画面を実装し、会員制サイトにする。購入及びレンタルの手続きの際にログインし、購入履歴やレンタル日時の表示を可能にする。</a:t>
             </a:r>
             <a:endParaRPr lang="ja-JP" altLang="en-US"/>
           </a:p>

--- a/[Architect]/201612-nadeshiko-phase1/00.事前調査/nadeshiko ギャップ分析.pptx
+++ b/[Architect]/201612-nadeshiko-phase1/00.事前調査/nadeshiko ギャップ分析.pptx
@@ -155,7 +155,7 @@
           <a:bodyPr anchor="b"/>
           <a:lstStyle>
             <a:lvl1pPr algn="ctr">
-              <a:defRPr sz="6000"/>
+              <a:defRPr sz="4500"/>
             </a:lvl1pPr>
           </a:lstStyle>
           <a:p>
@@ -188,39 +188,39 @@
           <a:lstStyle>
             <a:lvl1pPr marL="0" indent="0" algn="ctr">
               <a:buNone/>
-              <a:defRPr sz="2400"/>
+              <a:defRPr sz="1800"/>
             </a:lvl1pPr>
-            <a:lvl2pPr marL="457200" indent="0" algn="ctr">
-              <a:buNone/>
-              <a:defRPr sz="2000"/>
+            <a:lvl2pPr marL="342900" indent="0" algn="ctr">
+              <a:buNone/>
+              <a:defRPr sz="1500"/>
             </a:lvl2pPr>
-            <a:lvl3pPr marL="914400" indent="0" algn="ctr">
-              <a:buNone/>
-              <a:defRPr sz="1800"/>
+            <a:lvl3pPr marL="685800" indent="0" algn="ctr">
+              <a:buNone/>
+              <a:defRPr sz="1350"/>
             </a:lvl3pPr>
-            <a:lvl4pPr marL="1371600" indent="0" algn="ctr">
-              <a:buNone/>
-              <a:defRPr sz="1600"/>
+            <a:lvl4pPr marL="1028700" indent="0" algn="ctr">
+              <a:buNone/>
+              <a:defRPr sz="1200"/>
             </a:lvl4pPr>
-            <a:lvl5pPr marL="1828800" indent="0" algn="ctr">
-              <a:buNone/>
-              <a:defRPr sz="1600"/>
+            <a:lvl5pPr marL="1371600" indent="0" algn="ctr">
+              <a:buNone/>
+              <a:defRPr sz="1200"/>
             </a:lvl5pPr>
-            <a:lvl6pPr marL="2286000" indent="0" algn="ctr">
-              <a:buNone/>
-              <a:defRPr sz="1600"/>
+            <a:lvl6pPr marL="1714500" indent="0" algn="ctr">
+              <a:buNone/>
+              <a:defRPr sz="1200"/>
             </a:lvl6pPr>
-            <a:lvl7pPr marL="2743200" indent="0" algn="ctr">
-              <a:buNone/>
-              <a:defRPr sz="1600"/>
+            <a:lvl7pPr marL="2057400" indent="0" algn="ctr">
+              <a:buNone/>
+              <a:defRPr sz="1200"/>
             </a:lvl7pPr>
-            <a:lvl8pPr marL="3200400" indent="0" algn="ctr">
-              <a:buNone/>
-              <a:defRPr sz="1600"/>
+            <a:lvl8pPr marL="2400300" indent="0" algn="ctr">
+              <a:buNone/>
+              <a:defRPr sz="1200"/>
             </a:lvl8pPr>
-            <a:lvl9pPr marL="3657600" indent="0" algn="ctr">
-              <a:buNone/>
-              <a:defRPr sz="1600"/>
+            <a:lvl9pPr marL="2743200" indent="0" algn="ctr">
+              <a:buNone/>
+              <a:defRPr sz="1200"/>
             </a:lvl9pPr>
           </a:lstStyle>
           <a:p>
@@ -307,10 +307,435 @@
       </p:par>
     </p:tnLst>
   </p:timing>
+  <p:hf sldNum="0" hdr="0" ftr="0" dt="0"/>
 </p:sldLayout>
 </file>
 
 <file path=ppt/slideLayouts/slideLayout10.xml><?xml version="1.0" encoding="utf-8"?>
+<p:sldLayout xmlns:a="http://schemas.openxmlformats.org/drawingml/2006/main" xmlns:r="http://schemas.openxmlformats.org/officeDocument/2006/relationships" xmlns:p="http://schemas.openxmlformats.org/presentationml/2006/main" type="vertTx" preserve="1">
+  <p:cSld name="タイトルと&#10;縦書きテキスト">
+    <p:spTree>
+      <p:nvGrpSpPr>
+        <p:cNvPr id="1" name=""/>
+        <p:cNvGrpSpPr/>
+        <p:nvPr/>
+      </p:nvGrpSpPr>
+      <p:grpSpPr>
+        <a:xfrm>
+          <a:off x="0" y="0"/>
+          <a:ext cx="0" cy="0"/>
+          <a:chOff x="0" y="0"/>
+          <a:chExt cx="0" cy="0"/>
+        </a:xfrm>
+      </p:grpSpPr>
+      <p:sp>
+        <p:nvSpPr>
+          <p:cNvPr id="2" name="タイトル 1"/>
+          <p:cNvSpPr>
+            <a:spLocks noGrp="1"/>
+          </p:cNvSpPr>
+          <p:nvPr>
+            <p:ph type="title"/>
+          </p:nvPr>
+        </p:nvSpPr>
+        <p:spPr/>
+        <p:txBody>
+          <a:bodyPr/>
+          <a:lstStyle/>
+          <a:p>
+            <a:r>
+              <a:rPr kumimoji="1" lang="ja-JP" altLang="en-US" dirty="0" smtClean="0"/>
+              <a:t>マスタ タイトルの書式設定</a:t>
+            </a:r>
+            <a:endParaRPr kumimoji="1" lang="ja-JP" altLang="en-US" dirty="0"/>
+          </a:p>
+        </p:txBody>
+      </p:sp>
+      <p:sp>
+        <p:nvSpPr>
+          <p:cNvPr id="3" name="縦書きテキスト プレースホルダー 2"/>
+          <p:cNvSpPr>
+            <a:spLocks noGrp="1"/>
+          </p:cNvSpPr>
+          <p:nvPr>
+            <p:ph type="body" orient="vert" idx="1"/>
+          </p:nvPr>
+        </p:nvSpPr>
+        <p:spPr/>
+        <p:txBody>
+          <a:bodyPr vert="eaVert"/>
+          <a:lstStyle/>
+          <a:p>
+            <a:pPr lvl="0"/>
+            <a:r>
+              <a:rPr kumimoji="1" lang="ja-JP" altLang="en-US" dirty="0" smtClean="0"/>
+              <a:t>マスタ テキストの書式設定</a:t>
+            </a:r>
+            <a:endParaRPr kumimoji="1" lang="ja-JP" altLang="en-US" dirty="0" smtClean="0"/>
+          </a:p>
+          <a:p>
+            <a:pPr lvl="1"/>
+            <a:r>
+              <a:rPr kumimoji="1" lang="ja-JP" altLang="en-US" dirty="0" smtClean="0"/>
+              <a:t>第 </a:t>
+            </a:r>
+            <a:r>
+              <a:rPr kumimoji="1" lang="en-US" altLang="ja-JP" dirty="0" smtClean="0"/>
+              <a:t>2 </a:t>
+            </a:r>
+            <a:r>
+              <a:rPr kumimoji="1" lang="ja-JP" altLang="en-US" dirty="0" smtClean="0"/>
+              <a:t>レベル</a:t>
+            </a:r>
+            <a:endParaRPr kumimoji="1" lang="ja-JP" altLang="en-US" dirty="0" smtClean="0"/>
+          </a:p>
+          <a:p>
+            <a:pPr lvl="2"/>
+            <a:r>
+              <a:rPr kumimoji="1" lang="ja-JP" altLang="en-US" dirty="0" smtClean="0"/>
+              <a:t>第 </a:t>
+            </a:r>
+            <a:r>
+              <a:rPr kumimoji="1" lang="en-US" altLang="ja-JP" dirty="0" smtClean="0"/>
+              <a:t>3 </a:t>
+            </a:r>
+            <a:r>
+              <a:rPr kumimoji="1" lang="ja-JP" altLang="en-US" dirty="0" smtClean="0"/>
+              <a:t>レベル</a:t>
+            </a:r>
+            <a:endParaRPr kumimoji="1" lang="ja-JP" altLang="en-US" dirty="0" smtClean="0"/>
+          </a:p>
+          <a:p>
+            <a:pPr lvl="3"/>
+            <a:r>
+              <a:rPr kumimoji="1" lang="ja-JP" altLang="en-US" dirty="0" smtClean="0"/>
+              <a:t>第 </a:t>
+            </a:r>
+            <a:r>
+              <a:rPr kumimoji="1" lang="en-US" altLang="ja-JP" dirty="0" smtClean="0"/>
+              <a:t>4 </a:t>
+            </a:r>
+            <a:r>
+              <a:rPr kumimoji="1" lang="ja-JP" altLang="en-US" dirty="0" smtClean="0"/>
+              <a:t>レベル</a:t>
+            </a:r>
+            <a:endParaRPr kumimoji="1" lang="ja-JP" altLang="en-US" dirty="0" smtClean="0"/>
+          </a:p>
+          <a:p>
+            <a:pPr lvl="4"/>
+            <a:r>
+              <a:rPr kumimoji="1" lang="ja-JP" altLang="en-US" dirty="0" smtClean="0"/>
+              <a:t>第 </a:t>
+            </a:r>
+            <a:r>
+              <a:rPr kumimoji="1" lang="en-US" altLang="ja-JP" dirty="0" smtClean="0"/>
+              <a:t>5 </a:t>
+            </a:r>
+            <a:r>
+              <a:rPr kumimoji="1" lang="ja-JP" altLang="en-US" dirty="0" smtClean="0"/>
+              <a:t>レベル</a:t>
+            </a:r>
+            <a:endParaRPr kumimoji="1" lang="ja-JP" altLang="en-US" dirty="0"/>
+          </a:p>
+        </p:txBody>
+      </p:sp>
+      <p:sp>
+        <p:nvSpPr>
+          <p:cNvPr id="4" name="日付プレースホルダー 3"/>
+          <p:cNvSpPr>
+            <a:spLocks noGrp="1"/>
+          </p:cNvSpPr>
+          <p:nvPr>
+            <p:ph type="dt" sz="half" idx="10"/>
+          </p:nvPr>
+        </p:nvSpPr>
+        <p:spPr/>
+        <p:txBody>
+          <a:bodyPr/>
+          <a:lstStyle/>
+          <a:p>
+            <a:pPr lvl="0"/>
+            <a:endParaRPr lang="ja-JP"/>
+          </a:p>
+        </p:txBody>
+      </p:sp>
+      <p:sp>
+        <p:nvSpPr>
+          <p:cNvPr id="5" name="フッター プレースホルダー 4"/>
+          <p:cNvSpPr>
+            <a:spLocks noGrp="1"/>
+          </p:cNvSpPr>
+          <p:nvPr>
+            <p:ph type="ftr" sz="quarter" idx="11"/>
+          </p:nvPr>
+        </p:nvSpPr>
+        <p:spPr/>
+        <p:txBody>
+          <a:bodyPr/>
+          <a:lstStyle/>
+          <a:p>
+            <a:pPr lvl="0"/>
+            <a:endParaRPr lang="ja-JP"/>
+          </a:p>
+        </p:txBody>
+      </p:sp>
+      <p:sp>
+        <p:nvSpPr>
+          <p:cNvPr id="6" name="スライド番号プレースホルダー 5"/>
+          <p:cNvSpPr>
+            <a:spLocks noGrp="1"/>
+          </p:cNvSpPr>
+          <p:nvPr>
+            <p:ph type="sldNum" sz="quarter" idx="12"/>
+          </p:nvPr>
+        </p:nvSpPr>
+        <p:spPr/>
+        <p:txBody>
+          <a:bodyPr/>
+          <a:lstStyle/>
+          <a:p>
+            <a:pPr lvl="0"/>
+            <a:fld id="{9A0DB2DC-4C9A-4742-B13C-FB6460FD3503}" type="slidenum">
+              <a:rPr lang="ja-JP"/>
+            </a:fld>
+            <a:endParaRPr lang="ja-JP"/>
+          </a:p>
+        </p:txBody>
+      </p:sp>
+    </p:spTree>
+  </p:cSld>
+  <p:clrMapOvr>
+    <a:masterClrMapping/>
+  </p:clrMapOvr>
+  <p:timing>
+    <p:tnLst>
+      <p:par>
+        <p:cTn id="1" dur="indefinite" restart="never" nodeType="tmRoot"/>
+      </p:par>
+    </p:tnLst>
+  </p:timing>
+  <p:hf sldNum="0" hdr="0" ftr="0" dt="0"/>
+</p:sldLayout>
+</file>
+
+<file path=ppt/slideLayouts/slideLayout11.xml><?xml version="1.0" encoding="utf-8"?>
+<p:sldLayout xmlns:a="http://schemas.openxmlformats.org/drawingml/2006/main" xmlns:r="http://schemas.openxmlformats.org/officeDocument/2006/relationships" xmlns:p="http://schemas.openxmlformats.org/presentationml/2006/main" type="vertTitleAndTx" preserve="1">
+  <p:cSld name="縦書きタイトルと&#10;縦書きテキスト">
+    <p:spTree>
+      <p:nvGrpSpPr>
+        <p:cNvPr id="1" name=""/>
+        <p:cNvGrpSpPr/>
+        <p:nvPr/>
+      </p:nvGrpSpPr>
+      <p:grpSpPr>
+        <a:xfrm>
+          <a:off x="0" y="0"/>
+          <a:ext cx="0" cy="0"/>
+          <a:chOff x="0" y="0"/>
+          <a:chExt cx="0" cy="0"/>
+        </a:xfrm>
+      </p:grpSpPr>
+      <p:sp>
+        <p:nvSpPr>
+          <p:cNvPr id="2" name="縦書きタイトル 1"/>
+          <p:cNvSpPr>
+            <a:spLocks noGrp="1"/>
+          </p:cNvSpPr>
+          <p:nvPr>
+            <p:ph type="title" orient="vert"/>
+          </p:nvPr>
+        </p:nvSpPr>
+        <p:spPr>
+          <a:xfrm>
+            <a:off x="8839200" y="274638"/>
+            <a:ext cx="2743200" cy="5851525"/>
+          </a:xfrm>
+        </p:spPr>
+        <p:txBody>
+          <a:bodyPr vert="eaVert"/>
+          <a:lstStyle/>
+          <a:p>
+            <a:r>
+              <a:rPr kumimoji="1" lang="ja-JP" altLang="en-US" dirty="0" smtClean="0"/>
+              <a:t>マスタ タイトルの書式設定</a:t>
+            </a:r>
+            <a:endParaRPr kumimoji="1" lang="ja-JP" altLang="en-US" dirty="0"/>
+          </a:p>
+        </p:txBody>
+      </p:sp>
+      <p:sp>
+        <p:nvSpPr>
+          <p:cNvPr id="3" name="縦書きテキスト プレースホルダー 2"/>
+          <p:cNvSpPr>
+            <a:spLocks noGrp="1"/>
+          </p:cNvSpPr>
+          <p:nvPr>
+            <p:ph type="body" orient="vert" idx="1"/>
+          </p:nvPr>
+        </p:nvSpPr>
+        <p:spPr>
+          <a:xfrm>
+            <a:off x="609600" y="274638"/>
+            <a:ext cx="8070573" cy="5851525"/>
+          </a:xfrm>
+        </p:spPr>
+        <p:txBody>
+          <a:bodyPr vert="eaVert"/>
+          <a:lstStyle/>
+          <a:p>
+            <a:pPr lvl="0"/>
+            <a:r>
+              <a:rPr kumimoji="1" lang="ja-JP" altLang="en-US" dirty="0" smtClean="0"/>
+              <a:t>マスタ テキストの書式設定</a:t>
+            </a:r>
+            <a:endParaRPr kumimoji="1" lang="ja-JP" altLang="en-US" dirty="0" smtClean="0"/>
+          </a:p>
+          <a:p>
+            <a:pPr lvl="1"/>
+            <a:r>
+              <a:rPr kumimoji="1" lang="ja-JP" altLang="en-US" dirty="0" smtClean="0"/>
+              <a:t>第 </a:t>
+            </a:r>
+            <a:r>
+              <a:rPr kumimoji="1" lang="en-US" altLang="ja-JP" dirty="0" smtClean="0"/>
+              <a:t>2 </a:t>
+            </a:r>
+            <a:r>
+              <a:rPr kumimoji="1" lang="ja-JP" altLang="en-US" dirty="0" smtClean="0"/>
+              <a:t>レベル</a:t>
+            </a:r>
+            <a:endParaRPr kumimoji="1" lang="ja-JP" altLang="en-US" dirty="0" smtClean="0"/>
+          </a:p>
+          <a:p>
+            <a:pPr lvl="2"/>
+            <a:r>
+              <a:rPr kumimoji="1" lang="ja-JP" altLang="en-US" dirty="0" smtClean="0"/>
+              <a:t>第 </a:t>
+            </a:r>
+            <a:r>
+              <a:rPr kumimoji="1" lang="en-US" altLang="ja-JP" dirty="0" smtClean="0"/>
+              <a:t>3 </a:t>
+            </a:r>
+            <a:r>
+              <a:rPr kumimoji="1" lang="ja-JP" altLang="en-US" dirty="0" smtClean="0"/>
+              <a:t>レベル</a:t>
+            </a:r>
+            <a:endParaRPr kumimoji="1" lang="ja-JP" altLang="en-US" dirty="0" smtClean="0"/>
+          </a:p>
+          <a:p>
+            <a:pPr lvl="3"/>
+            <a:r>
+              <a:rPr kumimoji="1" lang="ja-JP" altLang="en-US" dirty="0" smtClean="0"/>
+              <a:t>第 </a:t>
+            </a:r>
+            <a:r>
+              <a:rPr kumimoji="1" lang="en-US" altLang="ja-JP" dirty="0" smtClean="0"/>
+              <a:t>4 </a:t>
+            </a:r>
+            <a:r>
+              <a:rPr kumimoji="1" lang="ja-JP" altLang="en-US" dirty="0" smtClean="0"/>
+              <a:t>レベル</a:t>
+            </a:r>
+            <a:endParaRPr kumimoji="1" lang="ja-JP" altLang="en-US" dirty="0" smtClean="0"/>
+          </a:p>
+          <a:p>
+            <a:pPr lvl="4"/>
+            <a:r>
+              <a:rPr kumimoji="1" lang="ja-JP" altLang="en-US" dirty="0" smtClean="0"/>
+              <a:t>第 </a:t>
+            </a:r>
+            <a:r>
+              <a:rPr kumimoji="1" lang="en-US" altLang="ja-JP" dirty="0" smtClean="0"/>
+              <a:t>5 </a:t>
+            </a:r>
+            <a:r>
+              <a:rPr kumimoji="1" lang="ja-JP" altLang="en-US" dirty="0" smtClean="0"/>
+              <a:t>レベル</a:t>
+            </a:r>
+            <a:endParaRPr kumimoji="1" lang="ja-JP" altLang="en-US" dirty="0"/>
+          </a:p>
+        </p:txBody>
+      </p:sp>
+      <p:sp>
+        <p:nvSpPr>
+          <p:cNvPr id="4" name="日付プレースホルダー 3"/>
+          <p:cNvSpPr>
+            <a:spLocks noGrp="1"/>
+          </p:cNvSpPr>
+          <p:nvPr>
+            <p:ph type="dt" sz="half" idx="10"/>
+          </p:nvPr>
+        </p:nvSpPr>
+        <p:spPr/>
+        <p:txBody>
+          <a:bodyPr/>
+          <a:lstStyle/>
+          <a:p>
+            <a:fld id="{B8F8725A-28AD-45F8-B362-09C8E353BCD4}" type="datetimeFigureOut">
+              <a:rPr kumimoji="1" lang="ja-JP" altLang="en-US" smtClean="0"/>
+            </a:fld>
+            <a:endParaRPr kumimoji="1" lang="ja-JP" altLang="en-US"/>
+          </a:p>
+        </p:txBody>
+      </p:sp>
+      <p:sp>
+        <p:nvSpPr>
+          <p:cNvPr id="5" name="フッター プレースホルダー 4"/>
+          <p:cNvSpPr>
+            <a:spLocks noGrp="1"/>
+          </p:cNvSpPr>
+          <p:nvPr>
+            <p:ph type="ftr" sz="quarter" idx="11"/>
+          </p:nvPr>
+        </p:nvSpPr>
+        <p:spPr/>
+        <p:txBody>
+          <a:bodyPr/>
+          <a:lstStyle/>
+          <a:p>
+            <a:endParaRPr kumimoji="1" lang="ja-JP" altLang="en-US"/>
+          </a:p>
+        </p:txBody>
+      </p:sp>
+      <p:sp>
+        <p:nvSpPr>
+          <p:cNvPr id="6" name="スライド番号プレースホルダー 5"/>
+          <p:cNvSpPr>
+            <a:spLocks noGrp="1"/>
+          </p:cNvSpPr>
+          <p:nvPr>
+            <p:ph type="sldNum" sz="quarter" idx="12"/>
+          </p:nvPr>
+        </p:nvSpPr>
+        <p:spPr/>
+        <p:txBody>
+          <a:bodyPr/>
+          <a:lstStyle/>
+          <a:p>
+            <a:fld id="{F8D8928E-AA9A-4D89-BC1F-A2C05AB4BD92}" type="slidenum">
+              <a:rPr kumimoji="1" lang="ja-JP" altLang="en-US" smtClean="0"/>
+            </a:fld>
+            <a:endParaRPr kumimoji="1" lang="ja-JP" altLang="en-US"/>
+          </a:p>
+        </p:txBody>
+      </p:sp>
+    </p:spTree>
+  </p:cSld>
+  <p:clrMapOvr>
+    <a:masterClrMapping/>
+  </p:clrMapOvr>
+  <p:timing>
+    <p:tnLst>
+      <p:par>
+        <p:cTn id="1" dur="indefinite" restart="never" nodeType="tmRoot"/>
+      </p:par>
+    </p:tnLst>
+  </p:timing>
+  <p:hf sldNum="0" hdr="0" ftr="0" dt="0"/>
+</p:sldLayout>
+</file>
+
+<file path=ppt/slideLayouts/slideLayout12.xml><?xml version="1.0" encoding="utf-8"?>
 <p:sldLayout xmlns:a="http://schemas.openxmlformats.org/drawingml/2006/main" xmlns:r="http://schemas.openxmlformats.org/officeDocument/2006/relationships" xmlns:p="http://schemas.openxmlformats.org/presentationml/2006/main" type="objOnly" preserve="1">
   <p:cSld name="コンテンツ">
     <p:spTree>
@@ -701,6 +1126,7 @@
       </p:par>
     </p:tnLst>
   </p:timing>
+  <p:hf sldNum="0" hdr="0" ftr="0" dt="0"/>
 </p:sldLayout>
 </file>
 
@@ -733,7 +1159,7 @@
         </p:nvSpPr>
         <p:spPr>
           <a:xfrm>
-            <a:off x="831850" y="1709738"/>
+            <a:off x="831851" y="1709738"/>
             <a:ext cx="10515600" cy="2852737"/>
           </a:xfrm>
         </p:spPr>
@@ -741,7 +1167,7 @@
           <a:bodyPr anchor="b"/>
           <a:lstStyle>
             <a:lvl1pPr>
-              <a:defRPr sz="6000"/>
+              <a:defRPr sz="4500"/>
             </a:lvl1pPr>
           </a:lstStyle>
           <a:p>
@@ -765,7 +1191,7 @@
         </p:nvSpPr>
         <p:spPr>
           <a:xfrm>
-            <a:off x="831850" y="4589463"/>
+            <a:off x="831851" y="4589463"/>
             <a:ext cx="10515600" cy="1500187"/>
           </a:xfrm>
         </p:spPr>
@@ -774,7 +1200,7 @@
           <a:lstStyle>
             <a:lvl1pPr marL="0" indent="0">
               <a:buNone/>
-              <a:defRPr sz="2400">
+              <a:defRPr sz="1800">
                 <a:solidFill>
                   <a:schemeClr val="tx1">
                     <a:tint val="75000"/>
@@ -782,9 +1208,9 @@
                 </a:solidFill>
               </a:defRPr>
             </a:lvl1pPr>
-            <a:lvl2pPr marL="457200" indent="0">
-              <a:buNone/>
-              <a:defRPr sz="2000">
+            <a:lvl2pPr marL="342900" indent="0">
+              <a:buNone/>
+              <a:defRPr sz="1500">
                 <a:solidFill>
                   <a:schemeClr val="tx1">
                     <a:tint val="75000"/>
@@ -792,9 +1218,9 @@
                 </a:solidFill>
               </a:defRPr>
             </a:lvl2pPr>
-            <a:lvl3pPr marL="914400" indent="0">
-              <a:buNone/>
-              <a:defRPr sz="1800">
+            <a:lvl3pPr marL="685800" indent="0">
+              <a:buNone/>
+              <a:defRPr sz="1350">
                 <a:solidFill>
                   <a:schemeClr val="tx1">
                     <a:tint val="75000"/>
@@ -802,9 +1228,9 @@
                 </a:solidFill>
               </a:defRPr>
             </a:lvl3pPr>
-            <a:lvl4pPr marL="1371600" indent="0">
-              <a:buNone/>
-              <a:defRPr sz="1600">
+            <a:lvl4pPr marL="1028700" indent="0">
+              <a:buNone/>
+              <a:defRPr sz="1200">
                 <a:solidFill>
                   <a:schemeClr val="tx1">
                     <a:tint val="75000"/>
@@ -812,9 +1238,9 @@
                 </a:solidFill>
               </a:defRPr>
             </a:lvl4pPr>
-            <a:lvl5pPr marL="1828800" indent="0">
-              <a:buNone/>
-              <a:defRPr sz="1600">
+            <a:lvl5pPr marL="1371600" indent="0">
+              <a:buNone/>
+              <a:defRPr sz="1200">
                 <a:solidFill>
                   <a:schemeClr val="tx1">
                     <a:tint val="75000"/>
@@ -822,9 +1248,9 @@
                 </a:solidFill>
               </a:defRPr>
             </a:lvl5pPr>
-            <a:lvl6pPr marL="2286000" indent="0">
-              <a:buNone/>
-              <a:defRPr sz="1600">
+            <a:lvl6pPr marL="1714500" indent="0">
+              <a:buNone/>
+              <a:defRPr sz="1200">
                 <a:solidFill>
                   <a:schemeClr val="tx1">
                     <a:tint val="75000"/>
@@ -832,9 +1258,9 @@
                 </a:solidFill>
               </a:defRPr>
             </a:lvl6pPr>
-            <a:lvl7pPr marL="2743200" indent="0">
-              <a:buNone/>
-              <a:defRPr sz="1600">
+            <a:lvl7pPr marL="2057400" indent="0">
+              <a:buNone/>
+              <a:defRPr sz="1200">
                 <a:solidFill>
                   <a:schemeClr val="tx1">
                     <a:tint val="75000"/>
@@ -842,9 +1268,9 @@
                 </a:solidFill>
               </a:defRPr>
             </a:lvl7pPr>
-            <a:lvl8pPr marL="3200400" indent="0">
-              <a:buNone/>
-              <a:defRPr sz="1600">
+            <a:lvl8pPr marL="2400300" indent="0">
+              <a:buNone/>
+              <a:defRPr sz="1200">
                 <a:solidFill>
                   <a:schemeClr val="tx1">
                     <a:tint val="75000"/>
@@ -852,9 +1278,9 @@
                 </a:solidFill>
               </a:defRPr>
             </a:lvl8pPr>
-            <a:lvl9pPr marL="3657600" indent="0">
-              <a:buNone/>
-              <a:defRPr sz="1600">
+            <a:lvl9pPr marL="2743200" indent="0">
+              <a:buNone/>
+              <a:defRPr sz="1200">
                 <a:solidFill>
                   <a:schemeClr val="tx1">
                     <a:tint val="75000"/>
@@ -948,6 +1374,7 @@
       </p:par>
     </p:tnLst>
   </p:timing>
+  <p:hf sldNum="0" hdr="0" ftr="0" dt="0"/>
 </p:sldLayout>
 </file>
 
@@ -1003,8 +1430,8 @@
         </p:nvSpPr>
         <p:spPr>
           <a:xfrm>
-            <a:off x="838200" y="1825625"/>
-            <a:ext cx="5181600" cy="4351338"/>
+            <a:off x="609600" y="1600200"/>
+            <a:ext cx="5376672" cy="4525963"/>
           </a:xfrm>
         </p:spPr>
         <p:txBody>
@@ -1096,8 +1523,8 @@
         </p:nvSpPr>
         <p:spPr>
           <a:xfrm>
-            <a:off x="6172200" y="1825625"/>
-            <a:ext cx="5181600" cy="4351338"/>
+            <a:off x="6205728" y="1600200"/>
+            <a:ext cx="5376672" cy="4525963"/>
           </a:xfrm>
         </p:spPr>
         <p:txBody>
@@ -1252,6 +1679,7 @@
       </p:par>
     </p:tnLst>
   </p:timing>
+  <p:hf sldNum="0" hdr="0" ftr="0" dt="0"/>
 </p:sldLayout>
 </file>
 
@@ -1321,39 +1749,39 @@
           <a:lstStyle>
             <a:lvl1pPr marL="0" indent="0">
               <a:buNone/>
-              <a:defRPr sz="2400" b="1"/>
+              <a:defRPr sz="1800" b="1"/>
             </a:lvl1pPr>
-            <a:lvl2pPr marL="457200" indent="0">
-              <a:buNone/>
-              <a:defRPr sz="2000" b="1"/>
+            <a:lvl2pPr marL="342900" indent="0">
+              <a:buNone/>
+              <a:defRPr sz="1500" b="1"/>
             </a:lvl2pPr>
-            <a:lvl3pPr marL="914400" indent="0">
-              <a:buNone/>
-              <a:defRPr sz="1800" b="1"/>
+            <a:lvl3pPr marL="685800" indent="0">
+              <a:buNone/>
+              <a:defRPr sz="1350" b="1"/>
             </a:lvl3pPr>
-            <a:lvl4pPr marL="1371600" indent="0">
-              <a:buNone/>
-              <a:defRPr sz="1600" b="1"/>
+            <a:lvl4pPr marL="1028700" indent="0">
+              <a:buNone/>
+              <a:defRPr sz="1200" b="1"/>
             </a:lvl4pPr>
-            <a:lvl5pPr marL="1828800" indent="0">
-              <a:buNone/>
-              <a:defRPr sz="1600" b="1"/>
+            <a:lvl5pPr marL="1371600" indent="0">
+              <a:buNone/>
+              <a:defRPr sz="1200" b="1"/>
             </a:lvl5pPr>
-            <a:lvl6pPr marL="2286000" indent="0">
-              <a:buNone/>
-              <a:defRPr sz="1600" b="1"/>
+            <a:lvl6pPr marL="1714500" indent="0">
+              <a:buNone/>
+              <a:defRPr sz="1200" b="1"/>
             </a:lvl6pPr>
-            <a:lvl7pPr marL="2743200" indent="0">
-              <a:buNone/>
-              <a:defRPr sz="1600" b="1"/>
+            <a:lvl7pPr marL="2057400" indent="0">
+              <a:buNone/>
+              <a:defRPr sz="1200" b="1"/>
             </a:lvl7pPr>
-            <a:lvl8pPr marL="3200400" indent="0">
-              <a:buNone/>
-              <a:defRPr sz="1600" b="1"/>
+            <a:lvl8pPr marL="2400300" indent="0">
+              <a:buNone/>
+              <a:defRPr sz="1200" b="1"/>
             </a:lvl8pPr>
-            <a:lvl9pPr marL="3657600" indent="0">
-              <a:buNone/>
-              <a:defRPr sz="1600" b="1"/>
+            <a:lvl9pPr marL="2743200" indent="0">
+              <a:buNone/>
+              <a:defRPr sz="1200" b="1"/>
             </a:lvl9pPr>
           </a:lstStyle>
           <a:p>
@@ -1480,39 +1908,39 @@
           <a:lstStyle>
             <a:lvl1pPr marL="0" indent="0">
               <a:buNone/>
-              <a:defRPr sz="2400" b="1"/>
+              <a:defRPr sz="1800" b="1"/>
             </a:lvl1pPr>
-            <a:lvl2pPr marL="457200" indent="0">
-              <a:buNone/>
-              <a:defRPr sz="2000" b="1"/>
+            <a:lvl2pPr marL="342900" indent="0">
+              <a:buNone/>
+              <a:defRPr sz="1500" b="1"/>
             </a:lvl2pPr>
-            <a:lvl3pPr marL="914400" indent="0">
-              <a:buNone/>
-              <a:defRPr sz="1800" b="1"/>
+            <a:lvl3pPr marL="685800" indent="0">
+              <a:buNone/>
+              <a:defRPr sz="1350" b="1"/>
             </a:lvl3pPr>
-            <a:lvl4pPr marL="1371600" indent="0">
-              <a:buNone/>
-              <a:defRPr sz="1600" b="1"/>
+            <a:lvl4pPr marL="1028700" indent="0">
+              <a:buNone/>
+              <a:defRPr sz="1200" b="1"/>
             </a:lvl4pPr>
-            <a:lvl5pPr marL="1828800" indent="0">
-              <a:buNone/>
-              <a:defRPr sz="1600" b="1"/>
+            <a:lvl5pPr marL="1371600" indent="0">
+              <a:buNone/>
+              <a:defRPr sz="1200" b="1"/>
             </a:lvl5pPr>
-            <a:lvl6pPr marL="2286000" indent="0">
-              <a:buNone/>
-              <a:defRPr sz="1600" b="1"/>
+            <a:lvl6pPr marL="1714500" indent="0">
+              <a:buNone/>
+              <a:defRPr sz="1200" b="1"/>
             </a:lvl6pPr>
-            <a:lvl7pPr marL="2743200" indent="0">
-              <a:buNone/>
-              <a:defRPr sz="1600" b="1"/>
+            <a:lvl7pPr marL="2057400" indent="0">
+              <a:buNone/>
+              <a:defRPr sz="1200" b="1"/>
             </a:lvl7pPr>
-            <a:lvl8pPr marL="3200400" indent="0">
-              <a:buNone/>
-              <a:defRPr sz="1600" b="1"/>
+            <a:lvl8pPr marL="2400300" indent="0">
+              <a:buNone/>
+              <a:defRPr sz="1200" b="1"/>
             </a:lvl8pPr>
-            <a:lvl9pPr marL="3657600" indent="0">
-              <a:buNone/>
-              <a:defRPr sz="1600" b="1"/>
+            <a:lvl9pPr marL="2743200" indent="0">
+              <a:buNone/>
+              <a:defRPr sz="1200" b="1"/>
             </a:lvl9pPr>
           </a:lstStyle>
           <a:p>
@@ -1693,6 +2121,7 @@
       </p:par>
     </p:tnLst>
   </p:timing>
+  <p:hf sldNum="0" hdr="0" ftr="0" dt="0"/>
 </p:sldLayout>
 </file>
 
@@ -1811,6 +2240,7 @@
       </p:par>
     </p:tnLst>
   </p:timing>
+  <p:hf sldNum="0" hdr="0" ftr="0" dt="0"/>
 </p:sldLayout>
 </file>
 
@@ -1906,10 +2336,326 @@
       </p:par>
     </p:tnLst>
   </p:timing>
+  <p:hf sldNum="0" hdr="0" ftr="0" dt="0"/>
 </p:sldLayout>
 </file>
 
 <file path=ppt/slideLayouts/slideLayout8.xml><?xml version="1.0" encoding="utf-8"?>
+<p:sldLayout xmlns:a="http://schemas.openxmlformats.org/drawingml/2006/main" xmlns:r="http://schemas.openxmlformats.org/officeDocument/2006/relationships" xmlns:p="http://schemas.openxmlformats.org/presentationml/2006/main" type="objTx" preserve="1">
+  <p:cSld name="タイトル付きの&#10;コンテンツ">
+    <p:spTree>
+      <p:nvGrpSpPr>
+        <p:cNvPr id="1" name=""/>
+        <p:cNvGrpSpPr/>
+        <p:nvPr/>
+      </p:nvGrpSpPr>
+      <p:grpSpPr>
+        <a:xfrm>
+          <a:off x="0" y="0"/>
+          <a:ext cx="0" cy="0"/>
+          <a:chOff x="0" y="0"/>
+          <a:chExt cx="0" cy="0"/>
+        </a:xfrm>
+      </p:grpSpPr>
+      <p:sp>
+        <p:nvSpPr>
+          <p:cNvPr id="2" name="タイトル 1"/>
+          <p:cNvSpPr>
+            <a:spLocks noGrp="1"/>
+          </p:cNvSpPr>
+          <p:nvPr>
+            <p:ph type="title"/>
+          </p:nvPr>
+        </p:nvSpPr>
+        <p:spPr>
+          <a:xfrm>
+            <a:off x="839788" y="457200"/>
+            <a:ext cx="3932237" cy="1600200"/>
+          </a:xfrm>
+        </p:spPr>
+        <p:txBody>
+          <a:bodyPr anchor="b"/>
+          <a:lstStyle>
+            <a:lvl1pPr>
+              <a:defRPr sz="2400"/>
+            </a:lvl1pPr>
+          </a:lstStyle>
+          <a:p>
+            <a:r>
+              <a:rPr kumimoji="1" lang="ja-JP" altLang="en-US" dirty="0" smtClean="0"/>
+              <a:t>マスタ タイトルの書式設定</a:t>
+            </a:r>
+            <a:endParaRPr kumimoji="1" lang="ja-JP" altLang="en-US" dirty="0"/>
+          </a:p>
+        </p:txBody>
+      </p:sp>
+      <p:sp>
+        <p:nvSpPr>
+          <p:cNvPr id="3" name="コンテンツ プレースホルダー 2"/>
+          <p:cNvSpPr>
+            <a:spLocks noGrp="1"/>
+          </p:cNvSpPr>
+          <p:nvPr>
+            <p:ph idx="1"/>
+          </p:nvPr>
+        </p:nvSpPr>
+        <p:spPr>
+          <a:xfrm>
+            <a:off x="5183188" y="987425"/>
+            <a:ext cx="6172200" cy="4873625"/>
+          </a:xfrm>
+        </p:spPr>
+        <p:txBody>
+          <a:bodyPr/>
+          <a:lstStyle>
+            <a:lvl1pPr>
+              <a:defRPr sz="2400"/>
+            </a:lvl1pPr>
+            <a:lvl2pPr>
+              <a:defRPr sz="2100"/>
+            </a:lvl2pPr>
+            <a:lvl3pPr>
+              <a:defRPr sz="1800"/>
+            </a:lvl3pPr>
+            <a:lvl4pPr>
+              <a:defRPr sz="1500"/>
+            </a:lvl4pPr>
+            <a:lvl5pPr>
+              <a:defRPr sz="1500"/>
+            </a:lvl5pPr>
+            <a:lvl6pPr>
+              <a:defRPr sz="1500"/>
+            </a:lvl6pPr>
+            <a:lvl7pPr>
+              <a:defRPr sz="1500"/>
+            </a:lvl7pPr>
+            <a:lvl8pPr>
+              <a:defRPr sz="1500"/>
+            </a:lvl8pPr>
+            <a:lvl9pPr>
+              <a:defRPr sz="1500"/>
+            </a:lvl9pPr>
+          </a:lstStyle>
+          <a:p>
+            <a:pPr lvl="0"/>
+            <a:r>
+              <a:rPr kumimoji="1" lang="ja-JP" altLang="en-US" dirty="0" smtClean="0"/>
+              <a:t>マスタ テキストの書式設定</a:t>
+            </a:r>
+            <a:endParaRPr kumimoji="1" lang="ja-JP" altLang="en-US" dirty="0" smtClean="0"/>
+          </a:p>
+          <a:p>
+            <a:pPr lvl="1"/>
+            <a:r>
+              <a:rPr kumimoji="1" lang="ja-JP" altLang="en-US" dirty="0" smtClean="0"/>
+              <a:t>第 </a:t>
+            </a:r>
+            <a:r>
+              <a:rPr kumimoji="1" lang="en-US" altLang="ja-JP" dirty="0" smtClean="0"/>
+              <a:t>2 </a:t>
+            </a:r>
+            <a:r>
+              <a:rPr kumimoji="1" lang="ja-JP" altLang="en-US" dirty="0" smtClean="0"/>
+              <a:t>レベル</a:t>
+            </a:r>
+            <a:endParaRPr kumimoji="1" lang="ja-JP" altLang="en-US" dirty="0" smtClean="0"/>
+          </a:p>
+          <a:p>
+            <a:pPr lvl="2"/>
+            <a:r>
+              <a:rPr kumimoji="1" lang="ja-JP" altLang="en-US" dirty="0" smtClean="0"/>
+              <a:t>第 </a:t>
+            </a:r>
+            <a:r>
+              <a:rPr kumimoji="1" lang="en-US" altLang="ja-JP" dirty="0" smtClean="0"/>
+              <a:t>3 </a:t>
+            </a:r>
+            <a:r>
+              <a:rPr kumimoji="1" lang="ja-JP" altLang="en-US" dirty="0" smtClean="0"/>
+              <a:t>レベル</a:t>
+            </a:r>
+            <a:endParaRPr kumimoji="1" lang="ja-JP" altLang="en-US" dirty="0" smtClean="0"/>
+          </a:p>
+          <a:p>
+            <a:pPr lvl="3"/>
+            <a:r>
+              <a:rPr kumimoji="1" lang="ja-JP" altLang="en-US" dirty="0" smtClean="0"/>
+              <a:t>第 </a:t>
+            </a:r>
+            <a:r>
+              <a:rPr kumimoji="1" lang="en-US" altLang="ja-JP" dirty="0" smtClean="0"/>
+              <a:t>4 </a:t>
+            </a:r>
+            <a:r>
+              <a:rPr kumimoji="1" lang="ja-JP" altLang="en-US" dirty="0" smtClean="0"/>
+              <a:t>レベル</a:t>
+            </a:r>
+            <a:endParaRPr kumimoji="1" lang="ja-JP" altLang="en-US" dirty="0" smtClean="0"/>
+          </a:p>
+          <a:p>
+            <a:pPr lvl="4"/>
+            <a:r>
+              <a:rPr kumimoji="1" lang="ja-JP" altLang="en-US" dirty="0" smtClean="0"/>
+              <a:t>第 </a:t>
+            </a:r>
+            <a:r>
+              <a:rPr kumimoji="1" lang="en-US" altLang="ja-JP" dirty="0" smtClean="0"/>
+              <a:t>5 </a:t>
+            </a:r>
+            <a:r>
+              <a:rPr kumimoji="1" lang="ja-JP" altLang="en-US" dirty="0" smtClean="0"/>
+              <a:t>レベル</a:t>
+            </a:r>
+            <a:endParaRPr kumimoji="1" lang="ja-JP" altLang="en-US" dirty="0"/>
+          </a:p>
+        </p:txBody>
+      </p:sp>
+      <p:sp>
+        <p:nvSpPr>
+          <p:cNvPr id="4" name="テキスト プレースホルダー 3"/>
+          <p:cNvSpPr>
+            <a:spLocks noGrp="1"/>
+          </p:cNvSpPr>
+          <p:nvPr>
+            <p:ph type="body" sz="half" idx="2"/>
+          </p:nvPr>
+        </p:nvSpPr>
+        <p:spPr>
+          <a:xfrm>
+            <a:off x="839788" y="2057400"/>
+            <a:ext cx="3932237" cy="3811588"/>
+          </a:xfrm>
+        </p:spPr>
+        <p:txBody>
+          <a:bodyPr/>
+          <a:lstStyle>
+            <a:lvl1pPr marL="0" indent="0">
+              <a:buNone/>
+              <a:defRPr sz="1200"/>
+            </a:lvl1pPr>
+            <a:lvl2pPr marL="342900" indent="0">
+              <a:buNone/>
+              <a:defRPr sz="1050"/>
+            </a:lvl2pPr>
+            <a:lvl3pPr marL="685800" indent="0">
+              <a:buNone/>
+              <a:defRPr sz="900"/>
+            </a:lvl3pPr>
+            <a:lvl4pPr marL="1028700" indent="0">
+              <a:buNone/>
+              <a:defRPr sz="750"/>
+            </a:lvl4pPr>
+            <a:lvl5pPr marL="1371600" indent="0">
+              <a:buNone/>
+              <a:defRPr sz="750"/>
+            </a:lvl5pPr>
+            <a:lvl6pPr marL="1714500" indent="0">
+              <a:buNone/>
+              <a:defRPr sz="750"/>
+            </a:lvl6pPr>
+            <a:lvl7pPr marL="2057400" indent="0">
+              <a:buNone/>
+              <a:defRPr sz="750"/>
+            </a:lvl7pPr>
+            <a:lvl8pPr marL="2400300" indent="0">
+              <a:buNone/>
+              <a:defRPr sz="750"/>
+            </a:lvl8pPr>
+            <a:lvl9pPr marL="2743200" indent="0">
+              <a:buNone/>
+              <a:defRPr sz="750"/>
+            </a:lvl9pPr>
+          </a:lstStyle>
+          <a:p>
+            <a:pPr lvl="0"/>
+            <a:r>
+              <a:rPr kumimoji="1" lang="ja-JP" altLang="en-US" dirty="0" smtClean="0"/>
+              <a:t>マスタ テキストの書式設定</a:t>
+            </a:r>
+            <a:endParaRPr kumimoji="1" lang="ja-JP" altLang="en-US" dirty="0" smtClean="0"/>
+          </a:p>
+        </p:txBody>
+      </p:sp>
+      <p:sp>
+        <p:nvSpPr>
+          <p:cNvPr id="5" name="日付プレースホルダー 4"/>
+          <p:cNvSpPr>
+            <a:spLocks noGrp="1"/>
+          </p:cNvSpPr>
+          <p:nvPr>
+            <p:ph type="dt" sz="half" idx="10"/>
+          </p:nvPr>
+        </p:nvSpPr>
+        <p:spPr/>
+        <p:txBody>
+          <a:bodyPr/>
+          <a:lstStyle/>
+          <a:p>
+            <a:pPr lvl="0"/>
+            <a:endParaRPr lang="ja-JP"/>
+          </a:p>
+        </p:txBody>
+      </p:sp>
+      <p:sp>
+        <p:nvSpPr>
+          <p:cNvPr id="6" name="フッター プレースホルダー 5"/>
+          <p:cNvSpPr>
+            <a:spLocks noGrp="1"/>
+          </p:cNvSpPr>
+          <p:nvPr>
+            <p:ph type="ftr" sz="quarter" idx="11"/>
+          </p:nvPr>
+        </p:nvSpPr>
+        <p:spPr/>
+        <p:txBody>
+          <a:bodyPr/>
+          <a:lstStyle/>
+          <a:p>
+            <a:pPr lvl="0"/>
+            <a:endParaRPr lang="ja-JP"/>
+          </a:p>
+        </p:txBody>
+      </p:sp>
+      <p:sp>
+        <p:nvSpPr>
+          <p:cNvPr id="7" name="スライド番号プレースホルダー 6"/>
+          <p:cNvSpPr>
+            <a:spLocks noGrp="1"/>
+          </p:cNvSpPr>
+          <p:nvPr>
+            <p:ph type="sldNum" sz="quarter" idx="12"/>
+          </p:nvPr>
+        </p:nvSpPr>
+        <p:spPr/>
+        <p:txBody>
+          <a:bodyPr/>
+          <a:lstStyle/>
+          <a:p>
+            <a:pPr lvl="0"/>
+            <a:fld id="{9A0DB2DC-4C9A-4742-B13C-FB6460FD3503}" type="slidenum">
+              <a:rPr lang="ja-JP"/>
+            </a:fld>
+            <a:endParaRPr lang="ja-JP"/>
+          </a:p>
+        </p:txBody>
+      </p:sp>
+    </p:spTree>
+  </p:cSld>
+  <p:clrMapOvr>
+    <a:masterClrMapping/>
+  </p:clrMapOvr>
+  <p:timing>
+    <p:tnLst>
+      <p:par>
+        <p:cTn id="1" dur="indefinite" restart="never" nodeType="tmRoot"/>
+      </p:par>
+    </p:tnLst>
+  </p:timing>
+  <p:hf sldNum="0" hdr="0" ftr="0" dt="0"/>
+</p:sldLayout>
+</file>
+
+<file path=ppt/slideLayouts/slideLayout9.xml><?xml version="1.0" encoding="utf-8"?>
 <p:sldLayout xmlns:a="http://schemas.openxmlformats.org/drawingml/2006/main" xmlns:r="http://schemas.openxmlformats.org/officeDocument/2006/relationships" xmlns:p="http://schemas.openxmlformats.org/presentationml/2006/main" type="picTx" preserve="1">
   <p:cSld name="タイトル付きの図">
     <p:spTree>
@@ -1946,7 +2692,7 @@
           <a:bodyPr anchor="b"/>
           <a:lstStyle>
             <a:lvl1pPr>
-              <a:defRPr sz="3200"/>
+              <a:defRPr sz="2400"/>
             </a:lvl1pPr>
           </a:lstStyle>
           <a:p>
@@ -1979,39 +2725,39 @@
           <a:lstStyle>
             <a:lvl1pPr marL="0" indent="0">
               <a:buNone/>
-              <a:defRPr sz="3200"/>
+              <a:defRPr sz="2400"/>
             </a:lvl1pPr>
-            <a:lvl2pPr marL="457200" indent="0">
-              <a:buNone/>
-              <a:defRPr sz="2800"/>
+            <a:lvl2pPr marL="342900" indent="0">
+              <a:buNone/>
+              <a:defRPr sz="2100"/>
             </a:lvl2pPr>
-            <a:lvl3pPr marL="914400" indent="0">
-              <a:buNone/>
-              <a:defRPr sz="2400"/>
+            <a:lvl3pPr marL="685800" indent="0">
+              <a:buNone/>
+              <a:defRPr sz="1800"/>
             </a:lvl3pPr>
-            <a:lvl4pPr marL="1371600" indent="0">
-              <a:buNone/>
-              <a:defRPr sz="2000"/>
+            <a:lvl4pPr marL="1028700" indent="0">
+              <a:buNone/>
+              <a:defRPr sz="1500"/>
             </a:lvl4pPr>
-            <a:lvl5pPr marL="1828800" indent="0">
-              <a:buNone/>
-              <a:defRPr sz="2000"/>
+            <a:lvl5pPr marL="1371600" indent="0">
+              <a:buNone/>
+              <a:defRPr sz="1500"/>
             </a:lvl5pPr>
-            <a:lvl6pPr marL="2286000" indent="0">
-              <a:buNone/>
-              <a:defRPr sz="2000"/>
+            <a:lvl6pPr marL="1714500" indent="0">
+              <a:buNone/>
+              <a:defRPr sz="1500"/>
             </a:lvl6pPr>
-            <a:lvl7pPr marL="2743200" indent="0">
-              <a:buNone/>
-              <a:defRPr sz="2000"/>
+            <a:lvl7pPr marL="2057400" indent="0">
+              <a:buNone/>
+              <a:defRPr sz="1500"/>
             </a:lvl7pPr>
-            <a:lvl8pPr marL="3200400" indent="0">
-              <a:buNone/>
-              <a:defRPr sz="2000"/>
+            <a:lvl8pPr marL="2400300" indent="0">
+              <a:buNone/>
+              <a:defRPr sz="1500"/>
             </a:lvl8pPr>
-            <a:lvl9pPr marL="3657600" indent="0">
-              <a:buNone/>
-              <a:defRPr sz="2000"/>
+            <a:lvl9pPr marL="2743200" indent="0">
+              <a:buNone/>
+              <a:defRPr sz="1500"/>
             </a:lvl9pPr>
           </a:lstStyle>
           <a:p>
@@ -2040,39 +2786,39 @@
           <a:lstStyle>
             <a:lvl1pPr marL="0" indent="0">
               <a:buNone/>
-              <a:defRPr sz="1600"/>
+              <a:defRPr sz="1200"/>
             </a:lvl1pPr>
-            <a:lvl2pPr marL="457200" indent="0">
-              <a:buNone/>
-              <a:defRPr sz="1400"/>
+            <a:lvl2pPr marL="342900" indent="0">
+              <a:buNone/>
+              <a:defRPr sz="1050"/>
             </a:lvl2pPr>
-            <a:lvl3pPr marL="914400" indent="0">
-              <a:buNone/>
-              <a:defRPr sz="1200"/>
+            <a:lvl3pPr marL="685800" indent="0">
+              <a:buNone/>
+              <a:defRPr sz="900"/>
             </a:lvl3pPr>
-            <a:lvl4pPr marL="1371600" indent="0">
-              <a:buNone/>
-              <a:defRPr sz="1000"/>
+            <a:lvl4pPr marL="1028700" indent="0">
+              <a:buNone/>
+              <a:defRPr sz="750"/>
             </a:lvl4pPr>
-            <a:lvl5pPr marL="1828800" indent="0">
-              <a:buNone/>
-              <a:defRPr sz="1000"/>
+            <a:lvl5pPr marL="1371600" indent="0">
+              <a:buNone/>
+              <a:defRPr sz="750"/>
             </a:lvl5pPr>
-            <a:lvl6pPr marL="2286000" indent="0">
-              <a:buNone/>
-              <a:defRPr sz="1000"/>
+            <a:lvl6pPr marL="1714500" indent="0">
+              <a:buNone/>
+              <a:defRPr sz="750"/>
             </a:lvl6pPr>
-            <a:lvl7pPr marL="2743200" indent="0">
-              <a:buNone/>
-              <a:defRPr sz="1000"/>
+            <a:lvl7pPr marL="2057400" indent="0">
+              <a:buNone/>
+              <a:defRPr sz="750"/>
             </a:lvl7pPr>
-            <a:lvl8pPr marL="3200400" indent="0">
-              <a:buNone/>
-              <a:defRPr sz="1000"/>
+            <a:lvl8pPr marL="2400300" indent="0">
+              <a:buNone/>
+              <a:defRPr sz="750"/>
             </a:lvl8pPr>
-            <a:lvl9pPr marL="3657600" indent="0">
-              <a:buNone/>
-              <a:defRPr sz="1000"/>
+            <a:lvl9pPr marL="2743200" indent="0">
+              <a:buNone/>
+              <a:defRPr sz="750"/>
             </a:lvl9pPr>
           </a:lstStyle>
           <a:p>
@@ -2160,222 +2906,7 @@
       </p:par>
     </p:tnLst>
   </p:timing>
-</p:sldLayout>
-</file>
-
-<file path=ppt/slideLayouts/slideLayout9.xml><?xml version="1.0" encoding="utf-8"?>
-<p:sldLayout xmlns:a="http://schemas.openxmlformats.org/drawingml/2006/main" xmlns:r="http://schemas.openxmlformats.org/officeDocument/2006/relationships" xmlns:p="http://schemas.openxmlformats.org/presentationml/2006/main" type="vertTitleAndTx" preserve="1">
-  <p:cSld name="縦書きタイトルと&#10;縦書きテキスト">
-    <p:spTree>
-      <p:nvGrpSpPr>
-        <p:cNvPr id="1" name=""/>
-        <p:cNvGrpSpPr/>
-        <p:nvPr/>
-      </p:nvGrpSpPr>
-      <p:grpSpPr>
-        <a:xfrm>
-          <a:off x="0" y="0"/>
-          <a:ext cx="0" cy="0"/>
-          <a:chOff x="0" y="0"/>
-          <a:chExt cx="0" cy="0"/>
-        </a:xfrm>
-      </p:grpSpPr>
-      <p:sp>
-        <p:nvSpPr>
-          <p:cNvPr id="2" name="縦書きタイトル 1"/>
-          <p:cNvSpPr>
-            <a:spLocks noGrp="1"/>
-          </p:cNvSpPr>
-          <p:nvPr>
-            <p:ph type="title" orient="vert"/>
-          </p:nvPr>
-        </p:nvSpPr>
-        <p:spPr>
-          <a:xfrm>
-            <a:off x="8724900" y="365125"/>
-            <a:ext cx="2628900" cy="5811838"/>
-          </a:xfrm>
-        </p:spPr>
-        <p:txBody>
-          <a:bodyPr vert="eaVert"/>
-          <a:lstStyle/>
-          <a:p>
-            <a:r>
-              <a:rPr kumimoji="1" lang="ja-JP" altLang="en-US" dirty="0" smtClean="0"/>
-              <a:t>マスタ タイトルの書式設定</a:t>
-            </a:r>
-            <a:endParaRPr kumimoji="1" lang="ja-JP" altLang="en-US" dirty="0"/>
-          </a:p>
-        </p:txBody>
-      </p:sp>
-      <p:sp>
-        <p:nvSpPr>
-          <p:cNvPr id="3" name="縦書きテキスト プレースホルダー 2"/>
-          <p:cNvSpPr>
-            <a:spLocks noGrp="1"/>
-          </p:cNvSpPr>
-          <p:nvPr>
-            <p:ph type="body" orient="vert" idx="1"/>
-          </p:nvPr>
-        </p:nvSpPr>
-        <p:spPr>
-          <a:xfrm>
-            <a:off x="838200" y="365125"/>
-            <a:ext cx="7734300" cy="5811838"/>
-          </a:xfrm>
-        </p:spPr>
-        <p:txBody>
-          <a:bodyPr vert="eaVert"/>
-          <a:lstStyle/>
-          <a:p>
-            <a:pPr lvl="0"/>
-            <a:r>
-              <a:rPr kumimoji="1" lang="ja-JP" altLang="en-US" dirty="0" smtClean="0"/>
-              <a:t>マスタ テキストの書式設定</a:t>
-            </a:r>
-            <a:endParaRPr kumimoji="1" lang="ja-JP" altLang="en-US" dirty="0" smtClean="0"/>
-          </a:p>
-          <a:p>
-            <a:pPr lvl="1"/>
-            <a:r>
-              <a:rPr kumimoji="1" lang="ja-JP" altLang="en-US" dirty="0" smtClean="0"/>
-              <a:t>第 </a:t>
-            </a:r>
-            <a:r>
-              <a:rPr kumimoji="1" lang="en-US" altLang="ja-JP" dirty="0" smtClean="0"/>
-              <a:t>2 </a:t>
-            </a:r>
-            <a:r>
-              <a:rPr kumimoji="1" lang="ja-JP" altLang="en-US" dirty="0" smtClean="0"/>
-              <a:t>レベル</a:t>
-            </a:r>
-            <a:endParaRPr kumimoji="1" lang="ja-JP" altLang="en-US" dirty="0" smtClean="0"/>
-          </a:p>
-          <a:p>
-            <a:pPr lvl="2"/>
-            <a:r>
-              <a:rPr kumimoji="1" lang="ja-JP" altLang="en-US" dirty="0" smtClean="0"/>
-              <a:t>第 </a:t>
-            </a:r>
-            <a:r>
-              <a:rPr kumimoji="1" lang="en-US" altLang="ja-JP" dirty="0" smtClean="0"/>
-              <a:t>3 </a:t>
-            </a:r>
-            <a:r>
-              <a:rPr kumimoji="1" lang="ja-JP" altLang="en-US" dirty="0" smtClean="0"/>
-              <a:t>レベル</a:t>
-            </a:r>
-            <a:endParaRPr kumimoji="1" lang="ja-JP" altLang="en-US" dirty="0" smtClean="0"/>
-          </a:p>
-          <a:p>
-            <a:pPr lvl="3"/>
-            <a:r>
-              <a:rPr kumimoji="1" lang="ja-JP" altLang="en-US" dirty="0" smtClean="0"/>
-              <a:t>第 </a:t>
-            </a:r>
-            <a:r>
-              <a:rPr kumimoji="1" lang="en-US" altLang="ja-JP" dirty="0" smtClean="0"/>
-              <a:t>4 </a:t>
-            </a:r>
-            <a:r>
-              <a:rPr kumimoji="1" lang="ja-JP" altLang="en-US" dirty="0" smtClean="0"/>
-              <a:t>レベル</a:t>
-            </a:r>
-            <a:endParaRPr kumimoji="1" lang="ja-JP" altLang="en-US" dirty="0" smtClean="0"/>
-          </a:p>
-          <a:p>
-            <a:pPr lvl="4"/>
-            <a:r>
-              <a:rPr kumimoji="1" lang="ja-JP" altLang="en-US" dirty="0" smtClean="0"/>
-              <a:t>第 </a:t>
-            </a:r>
-            <a:r>
-              <a:rPr kumimoji="1" lang="en-US" altLang="ja-JP" dirty="0" smtClean="0"/>
-              <a:t>5 </a:t>
-            </a:r>
-            <a:r>
-              <a:rPr kumimoji="1" lang="ja-JP" altLang="en-US" dirty="0" smtClean="0"/>
-              <a:t>レベル</a:t>
-            </a:r>
-            <a:endParaRPr kumimoji="1" lang="ja-JP" altLang="en-US" dirty="0"/>
-          </a:p>
-        </p:txBody>
-      </p:sp>
-      <p:sp>
-        <p:nvSpPr>
-          <p:cNvPr id="4" name="日付プレースホルダー 3"/>
-          <p:cNvSpPr>
-            <a:spLocks noGrp="1"/>
-          </p:cNvSpPr>
-          <p:nvPr>
-            <p:ph type="dt" sz="half" idx="10"/>
-          </p:nvPr>
-        </p:nvSpPr>
-        <p:spPr/>
-        <p:txBody>
-          <a:bodyPr/>
-          <a:lstStyle/>
-          <a:p>
-            <a:fld id="{B8F8725A-28AD-45F8-B362-09C8E353BCD4}" type="datetimeFigureOut">
-              <a:rPr kumimoji="1" lang="ja-JP" altLang="en-US" smtClean="0"/>
-            </a:fld>
-            <a:endParaRPr kumimoji="1" lang="ja-JP" altLang="en-US"/>
-          </a:p>
-        </p:txBody>
-      </p:sp>
-      <p:sp>
-        <p:nvSpPr>
-          <p:cNvPr id="5" name="フッター プレースホルダー 4"/>
-          <p:cNvSpPr>
-            <a:spLocks noGrp="1"/>
-          </p:cNvSpPr>
-          <p:nvPr>
-            <p:ph type="ftr" sz="quarter" idx="11"/>
-          </p:nvPr>
-        </p:nvSpPr>
-        <p:spPr/>
-        <p:txBody>
-          <a:bodyPr/>
-          <a:lstStyle/>
-          <a:p>
-            <a:endParaRPr kumimoji="1" lang="ja-JP" altLang="en-US"/>
-          </a:p>
-        </p:txBody>
-      </p:sp>
-      <p:sp>
-        <p:nvSpPr>
-          <p:cNvPr id="6" name="スライド番号プレースホルダー 5"/>
-          <p:cNvSpPr>
-            <a:spLocks noGrp="1"/>
-          </p:cNvSpPr>
-          <p:nvPr>
-            <p:ph type="sldNum" sz="quarter" idx="12"/>
-          </p:nvPr>
-        </p:nvSpPr>
-        <p:spPr/>
-        <p:txBody>
-          <a:bodyPr/>
-          <a:lstStyle/>
-          <a:p>
-            <a:fld id="{F8D8928E-AA9A-4D89-BC1F-A2C05AB4BD92}" type="slidenum">
-              <a:rPr kumimoji="1" lang="ja-JP" altLang="en-US" smtClean="0"/>
-            </a:fld>
-            <a:endParaRPr kumimoji="1" lang="ja-JP" altLang="en-US"/>
-          </a:p>
-        </p:txBody>
-      </p:sp>
-    </p:spTree>
-  </p:cSld>
-  <p:clrMapOvr>
-    <a:masterClrMapping/>
-  </p:clrMapOvr>
-  <p:timing>
-    <p:tnLst>
-      <p:par>
-        <p:cTn id="1" dur="indefinite" restart="never" nodeType="tmRoot"/>
-      </p:par>
-    </p:tnLst>
-  </p:timing>
+  <p:hf sldNum="0" hdr="0" ftr="0" dt="0"/>
 </p:sldLayout>
 </file>
 
@@ -2383,9 +2914,14 @@
 <p:sldMaster xmlns:a="http://schemas.openxmlformats.org/drawingml/2006/main" xmlns:r="http://schemas.openxmlformats.org/officeDocument/2006/relationships" xmlns:p="http://schemas.openxmlformats.org/presentationml/2006/main">
   <p:cSld>
     <p:bg>
-      <p:bgRef idx="1001">
-        <a:schemeClr val="bg1"/>
-      </p:bgRef>
+      <p:bgPr>
+        <a:solidFill>
+          <a:schemeClr val="bg1">
+            <a:alpha val="100000"/>
+          </a:schemeClr>
+        </a:solidFill>
+        <a:effectLst/>
+      </p:bgPr>
     </p:bg>
     <p:spTree>
       <p:nvGrpSpPr>
@@ -2393,17 +2929,10 @@
         <p:cNvGrpSpPr/>
         <p:nvPr/>
       </p:nvGrpSpPr>
-      <p:grpSpPr>
-        <a:xfrm>
-          <a:off x="0" y="0"/>
-          <a:ext cx="0" cy="0"/>
-          <a:chOff x="0" y="0"/>
-          <a:chExt cx="0" cy="0"/>
-        </a:xfrm>
-      </p:grpSpPr>
-      <p:sp>
-        <p:nvSpPr>
-          <p:cNvPr id="2" name="タイトル プレースホルダー 1"/>
+      <p:grpSpPr/>
+      <p:sp>
+        <p:nvSpPr>
+          <p:cNvPr id="1026" name="タイトル 1025"/>
           <p:cNvSpPr>
             <a:spLocks noGrp="1"/>
           </p:cNvSpPr>
@@ -2413,30 +2942,32 @@
         </p:nvSpPr>
         <p:spPr>
           <a:xfrm>
-            <a:off x="838200" y="365125"/>
-            <a:ext cx="10515600" cy="1325563"/>
+            <a:off x="609600" y="274638"/>
+            <a:ext cx="10972800" cy="1143000"/>
           </a:xfrm>
           <a:prstGeom prst="rect">
             <a:avLst/>
           </a:prstGeom>
+          <a:noFill/>
+          <a:ln w="9525">
+            <a:noFill/>
+          </a:ln>
         </p:spPr>
         <p:txBody>
-          <a:bodyPr vert="horz" lIns="91440" tIns="45720" rIns="91440" bIns="45720" rtlCol="0" anchor="ctr">
-            <a:normAutofit/>
-          </a:bodyPr>
-          <a:lstStyle/>
-          <a:p>
-            <a:r>
-              <a:rPr kumimoji="1" lang="ja-JP" altLang="en-US" dirty="0" smtClean="0"/>
+          <a:bodyPr anchor="ctr"/>
+          <a:p>
+            <a:pPr lvl="0"/>
+            <a:r>
+              <a:rPr lang="ja-JP" altLang="en-US"/>
               <a:t>マスタ タイトルの書式設定</a:t>
             </a:r>
-            <a:endParaRPr kumimoji="1" lang="ja-JP" altLang="en-US" dirty="0"/>
-          </a:p>
-        </p:txBody>
-      </p:sp>
-      <p:sp>
-        <p:nvSpPr>
-          <p:cNvPr id="3" name="テキスト プレースホルダー 2"/>
+            <a:endParaRPr lang="ja-JP" altLang="en-US"/>
+          </a:p>
+        </p:txBody>
+      </p:sp>
+      <p:sp>
+        <p:nvSpPr>
+          <p:cNvPr id="1027" name="文字列プレースホルダ 1026"/>
           <p:cNvSpPr>
             <a:spLocks noGrp="1"/>
           </p:cNvSpPr>
@@ -2446,95 +2977,96 @@
         </p:nvSpPr>
         <p:spPr>
           <a:xfrm>
-            <a:off x="838200" y="1825625"/>
-            <a:ext cx="10515600" cy="4351338"/>
+            <a:off x="609600" y="1600200"/>
+            <a:ext cx="10972800" cy="4525963"/>
           </a:xfrm>
           <a:prstGeom prst="rect">
             <a:avLst/>
           </a:prstGeom>
+          <a:noFill/>
+          <a:ln w="9525">
+            <a:noFill/>
+          </a:ln>
         </p:spPr>
         <p:txBody>
-          <a:bodyPr vert="horz" lIns="91440" tIns="45720" rIns="91440" bIns="45720" rtlCol="0">
-            <a:normAutofit/>
-          </a:bodyPr>
-          <a:lstStyle/>
+          <a:bodyPr/>
           <a:p>
             <a:pPr lvl="0"/>
             <a:r>
-              <a:rPr kumimoji="1" lang="ja-JP" altLang="en-US" dirty="0" smtClean="0"/>
+              <a:rPr lang="ja-JP" altLang="en-US"/>
               <a:t>マスタ テキストの書式設定</a:t>
             </a:r>
-            <a:endParaRPr kumimoji="1" lang="ja-JP" altLang="en-US" dirty="0" smtClean="0"/>
+            <a:endParaRPr lang="ja-JP" altLang="en-US"/>
           </a:p>
           <a:p>
             <a:pPr lvl="1"/>
             <a:r>
-              <a:rPr kumimoji="1" lang="ja-JP" altLang="en-US" dirty="0" smtClean="0"/>
+              <a:rPr lang="ja-JP" altLang="en-US"/>
               <a:t>第 </a:t>
             </a:r>
             <a:r>
-              <a:rPr kumimoji="1" lang="en-US" altLang="ja-JP" dirty="0" smtClean="0"/>
+              <a:rPr lang="en-US" altLang="ja-JP"/>
               <a:t>2 </a:t>
             </a:r>
             <a:r>
-              <a:rPr kumimoji="1" lang="ja-JP" altLang="en-US" dirty="0" smtClean="0"/>
+              <a:rPr lang="ja-JP" altLang="en-US"/>
               <a:t>レベル</a:t>
             </a:r>
-            <a:endParaRPr kumimoji="1" lang="ja-JP" altLang="en-US" dirty="0" smtClean="0"/>
+            <a:endParaRPr lang="ja-JP" altLang="en-US"/>
           </a:p>
           <a:p>
             <a:pPr lvl="2"/>
             <a:r>
-              <a:rPr kumimoji="1" lang="ja-JP" altLang="en-US" dirty="0" smtClean="0"/>
+              <a:rPr lang="ja-JP" altLang="en-US"/>
               <a:t>第 </a:t>
             </a:r>
             <a:r>
-              <a:rPr kumimoji="1" lang="en-US" altLang="ja-JP" dirty="0" smtClean="0"/>
+              <a:rPr lang="en-US" altLang="ja-JP"/>
               <a:t>3 </a:t>
             </a:r>
             <a:r>
-              <a:rPr kumimoji="1" lang="ja-JP" altLang="en-US" dirty="0" smtClean="0"/>
+              <a:rPr lang="ja-JP" altLang="en-US"/>
               <a:t>レベル</a:t>
             </a:r>
-            <a:endParaRPr kumimoji="1" lang="ja-JP" altLang="en-US" dirty="0" smtClean="0"/>
+            <a:endParaRPr lang="ja-JP" altLang="en-US"/>
           </a:p>
           <a:p>
             <a:pPr lvl="3"/>
             <a:r>
-              <a:rPr kumimoji="1" lang="ja-JP" altLang="en-US" dirty="0" smtClean="0"/>
+              <a:rPr lang="ja-JP" altLang="en-US"/>
               <a:t>第 </a:t>
             </a:r>
             <a:r>
-              <a:rPr kumimoji="1" lang="en-US" altLang="ja-JP" dirty="0" smtClean="0"/>
+              <a:rPr lang="en-US" altLang="ja-JP"/>
               <a:t>4 </a:t>
             </a:r>
             <a:r>
-              <a:rPr kumimoji="1" lang="ja-JP" altLang="en-US" dirty="0" smtClean="0"/>
+              <a:rPr lang="ja-JP" altLang="en-US"/>
               <a:t>レベル</a:t>
             </a:r>
-            <a:endParaRPr kumimoji="1" lang="ja-JP" altLang="en-US" dirty="0" smtClean="0"/>
+            <a:endParaRPr lang="ja-JP" altLang="en-US"/>
           </a:p>
           <a:p>
             <a:pPr lvl="4"/>
             <a:r>
-              <a:rPr kumimoji="1" lang="ja-JP" altLang="en-US" dirty="0" smtClean="0"/>
+              <a:rPr lang="ja-JP" altLang="en-US"/>
               <a:t>第 </a:t>
             </a:r>
             <a:r>
-              <a:rPr kumimoji="1" lang="en-US" altLang="ja-JP" dirty="0" smtClean="0"/>
+              <a:rPr lang="en-US" altLang="ja-JP"/>
               <a:t>5 </a:t>
             </a:r>
             <a:r>
-              <a:rPr kumimoji="1" lang="ja-JP" altLang="en-US" dirty="0" smtClean="0"/>
+              <a:rPr lang="ja-JP" altLang="en-US"/>
               <a:t>レベル</a:t>
             </a:r>
-            <a:endParaRPr kumimoji="1" lang="ja-JP" altLang="en-US" dirty="0"/>
-          </a:p>
-        </p:txBody>
-      </p:sp>
-      <p:sp>
-        <p:nvSpPr>
-          <p:cNvPr id="4" name="日付プレースホルダー 3"/>
+            <a:endParaRPr lang="ja-JP" altLang="en-US"/>
+          </a:p>
+        </p:txBody>
+      </p:sp>
+      <p:sp>
+        <p:nvSpPr>
+          <p:cNvPr id="1028" name="日付プレースホルダ 1027"/>
           <p:cNvSpPr>
             <a:spLocks noGrp="1"/>
           </p:cNvSpPr>
@@ -2544,24 +3076,22 @@
         </p:nvSpPr>
         <p:spPr>
           <a:xfrm>
-            <a:off x="838200" y="6356350"/>
-            <a:ext cx="2743200" cy="365125"/>
+            <a:off x="609600" y="6245225"/>
+            <a:ext cx="2844800" cy="476250"/>
           </a:xfrm>
           <a:prstGeom prst="rect">
             <a:avLst/>
           </a:prstGeom>
+          <a:noFill/>
+          <a:ln w="9525">
+            <a:noFill/>
+          </a:ln>
         </p:spPr>
         <p:txBody>
-          <a:bodyPr vert="horz" lIns="91440" tIns="45720" rIns="91440" bIns="45720" rtlCol="0" anchor="ctr"/>
+          <a:bodyPr/>
           <a:lstStyle>
-            <a:lvl1pPr algn="l">
-              <a:defRPr sz="1200">
-                <a:solidFill>
-                  <a:schemeClr val="tx1">
-                    <a:tint val="75000"/>
-                  </a:schemeClr>
-                </a:solidFill>
-              </a:defRPr>
+            <a:lvl1pPr>
+              <a:defRPr sz="1400"/>
             </a:lvl1pPr>
           </a:lstStyle>
           <a:p>
@@ -2574,7 +3104,7 @@
       </p:sp>
       <p:sp>
         <p:nvSpPr>
-          <p:cNvPr id="5" name="フッター プレースホルダー 4"/>
+          <p:cNvPr id="1029" name="フッタープレースホルダ 1028"/>
           <p:cNvSpPr>
             <a:spLocks noGrp="1"/>
           </p:cNvSpPr>
@@ -2584,24 +3114,22 @@
         </p:nvSpPr>
         <p:spPr>
           <a:xfrm>
-            <a:off x="4038600" y="6356350"/>
-            <a:ext cx="4114800" cy="365125"/>
+            <a:off x="4165600" y="6245225"/>
+            <a:ext cx="3860800" cy="476250"/>
           </a:xfrm>
           <a:prstGeom prst="rect">
             <a:avLst/>
           </a:prstGeom>
+          <a:noFill/>
+          <a:ln w="9525">
+            <a:noFill/>
+          </a:ln>
         </p:spPr>
         <p:txBody>
-          <a:bodyPr vert="horz" lIns="91440" tIns="45720" rIns="91440" bIns="45720" rtlCol="0" anchor="ctr"/>
+          <a:bodyPr/>
           <a:lstStyle>
             <a:lvl1pPr algn="ctr">
-              <a:defRPr sz="1200">
-                <a:solidFill>
-                  <a:schemeClr val="tx1">
-                    <a:tint val="75000"/>
-                  </a:schemeClr>
-                </a:solidFill>
-              </a:defRPr>
+              <a:defRPr sz="1400"/>
             </a:lvl1pPr>
           </a:lstStyle>
           <a:p>
@@ -2611,7 +3139,7 @@
       </p:sp>
       <p:sp>
         <p:nvSpPr>
-          <p:cNvPr id="6" name="スライド番号プレースホルダー 5"/>
+          <p:cNvPr id="1030" name="スライド番号プレースホルダ 1029"/>
           <p:cNvSpPr>
             <a:spLocks noGrp="1"/>
           </p:cNvSpPr>
@@ -2621,24 +3149,22 @@
         </p:nvSpPr>
         <p:spPr>
           <a:xfrm>
-            <a:off x="8610600" y="6356350"/>
-            <a:ext cx="2743200" cy="365125"/>
+            <a:off x="8737600" y="6245225"/>
+            <a:ext cx="2844800" cy="476250"/>
           </a:xfrm>
           <a:prstGeom prst="rect">
             <a:avLst/>
           </a:prstGeom>
+          <a:noFill/>
+          <a:ln w="9525">
+            <a:noFill/>
+          </a:ln>
         </p:spPr>
         <p:txBody>
-          <a:bodyPr vert="horz" lIns="91440" tIns="45720" rIns="91440" bIns="45720" rtlCol="0" anchor="ctr"/>
+          <a:bodyPr/>
           <a:lstStyle>
             <a:lvl1pPr algn="r">
-              <a:defRPr sz="1200">
-                <a:solidFill>
-                  <a:schemeClr val="tx1">
-                    <a:tint val="75000"/>
-                  </a:schemeClr>
-                </a:solidFill>
-              </a:defRPr>
+              <a:defRPr sz="1400"/>
             </a:lvl1pPr>
           </a:lstStyle>
           <a:p>
@@ -2663,27 +3189,26 @@
     <p:sldLayoutId id="2147483656" r:id="rId8"/>
     <p:sldLayoutId id="2147483657" r:id="rId9"/>
     <p:sldLayoutId id="2147483658" r:id="rId10"/>
+    <p:sldLayoutId id="2147483659" r:id="rId11"/>
+    <p:sldLayoutId id="2147483660" r:id="rId12"/>
   </p:sldLayoutIdLst>
-  <p:timing>
-    <p:tnLst>
-      <p:par>
-        <p:cTn id="1" dur="indefinite" restart="never" nodeType="tmRoot"/>
-      </p:par>
-    </p:tnLst>
-  </p:timing>
+  <p:hf sldNum="0" hdr="0" ftr="0" dt="0"/>
   <p:txStyles>
     <p:titleStyle>
-      <a:lvl1pPr algn="l" defTabSz="914400" rtl="0" eaLnBrk="1" latinLnBrk="0" hangingPunct="1">
+      <a:lvl1pPr marL="0" lvl="0" indent="0" algn="ctr" defTabSz="914400" eaLnBrk="1" fontAlgn="base" latinLnBrk="0" hangingPunct="1">
         <a:lnSpc>
-          <a:spcPct val="90000"/>
+          <a:spcPct val="100000"/>
         </a:lnSpc>
         <a:spcBef>
           <a:spcPct val="0"/>
         </a:spcBef>
+        <a:spcAft>
+          <a:spcPct val="0"/>
+        </a:spcAft>
         <a:buNone/>
-        <a:defRPr kumimoji="1" sz="4400" kern="1200">
+        <a:defRPr sz="4400" b="0" i="0" u="none" kern="1200" baseline="0">
           <a:solidFill>
-            <a:schemeClr val="tx1"/>
+            <a:schemeClr val="tx2"/>
           </a:solidFill>
           <a:latin typeface="+mj-lt"/>
           <a:ea typeface="+mj-ea"/>
@@ -2692,16 +3217,18 @@
       </a:lvl1pPr>
     </p:titleStyle>
     <p:bodyStyle>
-      <a:lvl1pPr marL="228600" indent="-228600" algn="l" defTabSz="914400" rtl="0" eaLnBrk="1" latinLnBrk="0" hangingPunct="1">
+      <a:lvl1pPr marL="342900" lvl="0" indent="-342900" algn="l" defTabSz="914400" eaLnBrk="1" fontAlgn="base" latinLnBrk="0" hangingPunct="1">
         <a:lnSpc>
-          <a:spcPct val="90000"/>
+          <a:spcPct val="100000"/>
         </a:lnSpc>
         <a:spcBef>
-          <a:spcPts val="1000"/>
+          <a:spcPct val="20000"/>
         </a:spcBef>
-        <a:buFont typeface="Arial" panose="020B0604020202020204" pitchFamily="34" charset="0"/>
+        <a:spcAft>
+          <a:spcPct val="0"/>
+        </a:spcAft>
         <a:buChar char="•"/>
-        <a:defRPr kumimoji="1" sz="2800" kern="1200">
+        <a:defRPr sz="3200" b="0" i="0" u="none" kern="1200" baseline="0">
           <a:solidFill>
             <a:schemeClr val="tx1"/>
           </a:solidFill>
@@ -2710,16 +3237,18 @@
           <a:cs typeface="+mn-cs"/>
         </a:defRPr>
       </a:lvl1pPr>
-      <a:lvl2pPr marL="685800" indent="-228600" algn="l" defTabSz="914400" rtl="0" eaLnBrk="1" latinLnBrk="0" hangingPunct="1">
+      <a:lvl2pPr marL="742950" lvl="1" indent="-285750" algn="l" defTabSz="914400" eaLnBrk="1" fontAlgn="base" latinLnBrk="0" hangingPunct="1">
         <a:lnSpc>
-          <a:spcPct val="90000"/>
+          <a:spcPct val="100000"/>
         </a:lnSpc>
         <a:spcBef>
-          <a:spcPts val="500"/>
+          <a:spcPct val="20000"/>
         </a:spcBef>
-        <a:buFont typeface="Arial" panose="020B0604020202020204" pitchFamily="34" charset="0"/>
-        <a:buChar char="•"/>
-        <a:defRPr kumimoji="1" sz="2400" kern="1200">
+        <a:spcAft>
+          <a:spcPct val="0"/>
+        </a:spcAft>
+        <a:buChar char="–"/>
+        <a:defRPr sz="2800" b="0" i="0" u="none" kern="1200" baseline="0">
           <a:solidFill>
             <a:schemeClr val="tx1"/>
           </a:solidFill>
@@ -2728,16 +3257,18 @@
           <a:cs typeface="+mn-cs"/>
         </a:defRPr>
       </a:lvl2pPr>
-      <a:lvl3pPr marL="1143000" indent="-228600" algn="l" defTabSz="914400" rtl="0" eaLnBrk="1" latinLnBrk="0" hangingPunct="1">
+      <a:lvl3pPr marL="1143000" lvl="2" indent="-228600" algn="l" defTabSz="914400" eaLnBrk="1" fontAlgn="base" latinLnBrk="0" hangingPunct="1">
         <a:lnSpc>
-          <a:spcPct val="90000"/>
+          <a:spcPct val="100000"/>
         </a:lnSpc>
         <a:spcBef>
-          <a:spcPts val="500"/>
+          <a:spcPct val="20000"/>
         </a:spcBef>
-        <a:buFont typeface="Arial" panose="020B0604020202020204" pitchFamily="34" charset="0"/>
+        <a:spcAft>
+          <a:spcPct val="0"/>
+        </a:spcAft>
         <a:buChar char="•"/>
-        <a:defRPr kumimoji="1" sz="2000" kern="1200">
+        <a:defRPr sz="2400" b="0" i="0" u="none" kern="1200" baseline="0">
           <a:solidFill>
             <a:schemeClr val="tx1"/>
           </a:solidFill>
@@ -2746,16 +3277,18 @@
           <a:cs typeface="+mn-cs"/>
         </a:defRPr>
       </a:lvl3pPr>
-      <a:lvl4pPr marL="1600200" indent="-228600" algn="l" defTabSz="914400" rtl="0" eaLnBrk="1" latinLnBrk="0" hangingPunct="1">
+      <a:lvl4pPr marL="1600200" lvl="3" indent="-228600" algn="l" defTabSz="914400" eaLnBrk="1" fontAlgn="base" latinLnBrk="0" hangingPunct="1">
         <a:lnSpc>
-          <a:spcPct val="90000"/>
+          <a:spcPct val="100000"/>
         </a:lnSpc>
         <a:spcBef>
-          <a:spcPts val="500"/>
+          <a:spcPct val="20000"/>
         </a:spcBef>
-        <a:buFont typeface="Arial" panose="020B0604020202020204" pitchFamily="34" charset="0"/>
-        <a:buChar char="•"/>
-        <a:defRPr kumimoji="1" sz="1800" kern="1200">
+        <a:spcAft>
+          <a:spcPct val="0"/>
+        </a:spcAft>
+        <a:buChar char="–"/>
+        <a:defRPr sz="2000" b="0" i="0" u="none" kern="1200" baseline="0">
           <a:solidFill>
             <a:schemeClr val="tx1"/>
           </a:solidFill>
@@ -2764,16 +3297,18 @@
           <a:cs typeface="+mn-cs"/>
         </a:defRPr>
       </a:lvl4pPr>
-      <a:lvl5pPr marL="2057400" indent="-228600" algn="l" defTabSz="914400" rtl="0" eaLnBrk="1" latinLnBrk="0" hangingPunct="1">
+      <a:lvl5pPr marL="2057400" lvl="4" indent="-228600" algn="l" defTabSz="914400" eaLnBrk="1" fontAlgn="base" latinLnBrk="0" hangingPunct="1">
         <a:lnSpc>
-          <a:spcPct val="90000"/>
+          <a:spcPct val="100000"/>
         </a:lnSpc>
         <a:spcBef>
-          <a:spcPts val="500"/>
+          <a:spcPct val="20000"/>
         </a:spcBef>
-        <a:buFont typeface="Arial" panose="020B0604020202020204" pitchFamily="34" charset="0"/>
-        <a:buChar char="•"/>
-        <a:defRPr kumimoji="1" sz="1800" kern="1200">
+        <a:spcAft>
+          <a:spcPct val="0"/>
+        </a:spcAft>
+        <a:buChar char="»"/>
+        <a:defRPr sz="2000" b="0" i="0" u="none" kern="1200" baseline="0">
           <a:solidFill>
             <a:schemeClr val="tx1"/>
           </a:solidFill>
@@ -2782,16 +3317,18 @@
           <a:cs typeface="+mn-cs"/>
         </a:defRPr>
       </a:lvl5pPr>
-      <a:lvl6pPr marL="2514600" indent="-228600" algn="l" defTabSz="914400" rtl="0" eaLnBrk="1" latinLnBrk="0" hangingPunct="1">
+      <a:lvl6pPr marL="2514600" lvl="5" indent="-228600" algn="l" defTabSz="914400" eaLnBrk="1" fontAlgn="base" latinLnBrk="0" hangingPunct="1">
         <a:lnSpc>
-          <a:spcPct val="90000"/>
+          <a:spcPct val="100000"/>
         </a:lnSpc>
         <a:spcBef>
-          <a:spcPts val="500"/>
+          <a:spcPct val="20000"/>
         </a:spcBef>
-        <a:buFont typeface="Arial" panose="020B0604020202020204" pitchFamily="34" charset="0"/>
-        <a:buChar char="•"/>
-        <a:defRPr kumimoji="1" sz="1800" kern="1200">
+        <a:spcAft>
+          <a:spcPct val="0"/>
+        </a:spcAft>
+        <a:buChar char="»"/>
+        <a:defRPr sz="2000" b="0" i="0" u="none" kern="1200" baseline="0">
           <a:solidFill>
             <a:schemeClr val="tx1"/>
           </a:solidFill>
@@ -2800,16 +3337,18 @@
           <a:cs typeface="+mn-cs"/>
         </a:defRPr>
       </a:lvl6pPr>
-      <a:lvl7pPr marL="2971800" indent="-228600" algn="l" defTabSz="914400" rtl="0" eaLnBrk="1" latinLnBrk="0" hangingPunct="1">
+      <a:lvl7pPr marL="2971800" lvl="6" indent="-228600" algn="l" defTabSz="914400" eaLnBrk="1" fontAlgn="base" latinLnBrk="0" hangingPunct="1">
         <a:lnSpc>
-          <a:spcPct val="90000"/>
+          <a:spcPct val="100000"/>
         </a:lnSpc>
         <a:spcBef>
-          <a:spcPts val="500"/>
+          <a:spcPct val="20000"/>
         </a:spcBef>
-        <a:buFont typeface="Arial" panose="020B0604020202020204" pitchFamily="34" charset="0"/>
-        <a:buChar char="•"/>
-        <a:defRPr kumimoji="1" sz="1800" kern="1200">
+        <a:spcAft>
+          <a:spcPct val="0"/>
+        </a:spcAft>
+        <a:buChar char="»"/>
+        <a:defRPr sz="2000" b="0" i="0" u="none" kern="1200" baseline="0">
           <a:solidFill>
             <a:schemeClr val="tx1"/>
           </a:solidFill>
@@ -2818,16 +3357,18 @@
           <a:cs typeface="+mn-cs"/>
         </a:defRPr>
       </a:lvl7pPr>
-      <a:lvl8pPr marL="3429000" indent="-228600" algn="l" defTabSz="914400" rtl="0" eaLnBrk="1" latinLnBrk="0" hangingPunct="1">
+      <a:lvl8pPr marL="3429000" lvl="7" indent="-228600" algn="l" defTabSz="914400" eaLnBrk="1" fontAlgn="base" latinLnBrk="0" hangingPunct="1">
         <a:lnSpc>
-          <a:spcPct val="90000"/>
+          <a:spcPct val="100000"/>
         </a:lnSpc>
         <a:spcBef>
-          <a:spcPts val="500"/>
+          <a:spcPct val="20000"/>
         </a:spcBef>
-        <a:buFont typeface="Arial" panose="020B0604020202020204" pitchFamily="34" charset="0"/>
-        <a:buChar char="•"/>
-        <a:defRPr kumimoji="1" sz="1800" kern="1200">
+        <a:spcAft>
+          <a:spcPct val="0"/>
+        </a:spcAft>
+        <a:buChar char="»"/>
+        <a:defRPr sz="2000" b="0" i="0" u="none" kern="1200" baseline="0">
           <a:solidFill>
             <a:schemeClr val="tx1"/>
           </a:solidFill>
@@ -2836,16 +3377,18 @@
           <a:cs typeface="+mn-cs"/>
         </a:defRPr>
       </a:lvl8pPr>
-      <a:lvl9pPr marL="3886200" indent="-228600" algn="l" defTabSz="914400" rtl="0" eaLnBrk="1" latinLnBrk="0" hangingPunct="1">
+      <a:lvl9pPr marL="3886200" lvl="8" indent="-228600" algn="l" defTabSz="914400" eaLnBrk="1" fontAlgn="base" latinLnBrk="0" hangingPunct="1">
         <a:lnSpc>
-          <a:spcPct val="90000"/>
+          <a:spcPct val="100000"/>
         </a:lnSpc>
         <a:spcBef>
-          <a:spcPts val="500"/>
+          <a:spcPct val="20000"/>
         </a:spcBef>
-        <a:buFont typeface="Arial" panose="020B0604020202020204" pitchFamily="34" charset="0"/>
-        <a:buChar char="•"/>
-        <a:defRPr kumimoji="1" sz="1800" kern="1200">
+        <a:spcAft>
+          <a:spcPct val="0"/>
+        </a:spcAft>
+        <a:buChar char="»"/>
+        <a:defRPr sz="2000" b="0" i="0" u="none" kern="1200" baseline="0">
           <a:solidFill>
             <a:schemeClr val="tx1"/>
           </a:solidFill>
@@ -2856,11 +3399,19 @@
       </a:lvl9pPr>
     </p:bodyStyle>
     <p:otherStyle>
-      <a:defPPr>
-        <a:defRPr lang="ja-JP"/>
-      </a:defPPr>
-      <a:lvl1pPr marL="0" algn="l" defTabSz="914400" rtl="0" eaLnBrk="1" latinLnBrk="0" hangingPunct="1">
-        <a:defRPr kumimoji="1" sz="1800" kern="1200">
+      <a:lvl1pPr marL="0" lvl="0" indent="0" algn="l" defTabSz="914400" eaLnBrk="1" fontAlgn="base" latinLnBrk="0" hangingPunct="1">
+        <a:lnSpc>
+          <a:spcPct val="100000"/>
+        </a:lnSpc>
+        <a:spcBef>
+          <a:spcPct val="0"/>
+        </a:spcBef>
+        <a:spcAft>
+          <a:spcPct val="0"/>
+        </a:spcAft>
+        <a:buFont typeface="Arial" panose="020B0604020202020204" pitchFamily="34" charset="0"/>
+        <a:buNone/>
+        <a:defRPr sz="1800" b="0" i="0" u="none" kern="1200" baseline="0">
           <a:solidFill>
             <a:schemeClr val="tx1"/>
           </a:solidFill>
@@ -2869,8 +3420,19 @@
           <a:cs typeface="+mn-cs"/>
         </a:defRPr>
       </a:lvl1pPr>
-      <a:lvl2pPr marL="457200" algn="l" defTabSz="914400" rtl="0" eaLnBrk="1" latinLnBrk="0" hangingPunct="1">
-        <a:defRPr kumimoji="1" sz="1800" kern="1200">
+      <a:lvl2pPr marL="457200" lvl="1" indent="0" algn="l" defTabSz="914400" eaLnBrk="1" fontAlgn="base" latinLnBrk="0" hangingPunct="1">
+        <a:lnSpc>
+          <a:spcPct val="100000"/>
+        </a:lnSpc>
+        <a:spcBef>
+          <a:spcPct val="0"/>
+        </a:spcBef>
+        <a:spcAft>
+          <a:spcPct val="0"/>
+        </a:spcAft>
+        <a:buFont typeface="Arial" panose="020B0604020202020204" pitchFamily="34" charset="0"/>
+        <a:buNone/>
+        <a:defRPr sz="1800" b="0" i="0" u="none" kern="1200" baseline="0">
           <a:solidFill>
             <a:schemeClr val="tx1"/>
           </a:solidFill>
@@ -2879,8 +3441,19 @@
           <a:cs typeface="+mn-cs"/>
         </a:defRPr>
       </a:lvl2pPr>
-      <a:lvl3pPr marL="914400" algn="l" defTabSz="914400" rtl="0" eaLnBrk="1" latinLnBrk="0" hangingPunct="1">
-        <a:defRPr kumimoji="1" sz="1800" kern="1200">
+      <a:lvl3pPr marL="914400" lvl="2" indent="0" algn="l" defTabSz="914400" eaLnBrk="1" fontAlgn="base" latinLnBrk="0" hangingPunct="1">
+        <a:lnSpc>
+          <a:spcPct val="100000"/>
+        </a:lnSpc>
+        <a:spcBef>
+          <a:spcPct val="0"/>
+        </a:spcBef>
+        <a:spcAft>
+          <a:spcPct val="0"/>
+        </a:spcAft>
+        <a:buFont typeface="Arial" panose="020B0604020202020204" pitchFamily="34" charset="0"/>
+        <a:buNone/>
+        <a:defRPr sz="1800" b="0" i="0" u="none" kern="1200" baseline="0">
           <a:solidFill>
             <a:schemeClr val="tx1"/>
           </a:solidFill>
@@ -2889,8 +3462,19 @@
           <a:cs typeface="+mn-cs"/>
         </a:defRPr>
       </a:lvl3pPr>
-      <a:lvl4pPr marL="1371600" algn="l" defTabSz="914400" rtl="0" eaLnBrk="1" latinLnBrk="0" hangingPunct="1">
-        <a:defRPr kumimoji="1" sz="1800" kern="1200">
+      <a:lvl4pPr marL="1371600" lvl="3" indent="0" algn="l" defTabSz="914400" eaLnBrk="1" fontAlgn="base" latinLnBrk="0" hangingPunct="1">
+        <a:lnSpc>
+          <a:spcPct val="100000"/>
+        </a:lnSpc>
+        <a:spcBef>
+          <a:spcPct val="0"/>
+        </a:spcBef>
+        <a:spcAft>
+          <a:spcPct val="0"/>
+        </a:spcAft>
+        <a:buFont typeface="Arial" panose="020B0604020202020204" pitchFamily="34" charset="0"/>
+        <a:buNone/>
+        <a:defRPr sz="1800" b="0" i="0" u="none" kern="1200" baseline="0">
           <a:solidFill>
             <a:schemeClr val="tx1"/>
           </a:solidFill>
@@ -2899,8 +3483,19 @@
           <a:cs typeface="+mn-cs"/>
         </a:defRPr>
       </a:lvl4pPr>
-      <a:lvl5pPr marL="1828800" algn="l" defTabSz="914400" rtl="0" eaLnBrk="1" latinLnBrk="0" hangingPunct="1">
-        <a:defRPr kumimoji="1" sz="1800" kern="1200">
+      <a:lvl5pPr marL="1828800" lvl="4" indent="0" algn="l" defTabSz="914400" eaLnBrk="1" fontAlgn="base" latinLnBrk="0" hangingPunct="1">
+        <a:lnSpc>
+          <a:spcPct val="100000"/>
+        </a:lnSpc>
+        <a:spcBef>
+          <a:spcPct val="0"/>
+        </a:spcBef>
+        <a:spcAft>
+          <a:spcPct val="0"/>
+        </a:spcAft>
+        <a:buFont typeface="Arial" panose="020B0604020202020204" pitchFamily="34" charset="0"/>
+        <a:buNone/>
+        <a:defRPr sz="1800" b="0" i="0" u="none" kern="1200" baseline="0">
           <a:solidFill>
             <a:schemeClr val="tx1"/>
           </a:solidFill>
@@ -2909,8 +3504,19 @@
           <a:cs typeface="+mn-cs"/>
         </a:defRPr>
       </a:lvl5pPr>
-      <a:lvl6pPr marL="2286000" algn="l" defTabSz="914400" rtl="0" eaLnBrk="1" latinLnBrk="0" hangingPunct="1">
-        <a:defRPr kumimoji="1" sz="1800" kern="1200">
+      <a:lvl6pPr marL="2286000" lvl="5" indent="0" algn="l" defTabSz="914400" eaLnBrk="1" fontAlgn="base" latinLnBrk="0" hangingPunct="1">
+        <a:lnSpc>
+          <a:spcPct val="100000"/>
+        </a:lnSpc>
+        <a:spcBef>
+          <a:spcPct val="0"/>
+        </a:spcBef>
+        <a:spcAft>
+          <a:spcPct val="0"/>
+        </a:spcAft>
+        <a:buFont typeface="Arial" panose="020B0604020202020204" pitchFamily="34" charset="0"/>
+        <a:buNone/>
+        <a:defRPr sz="1800" b="0" i="0" u="none" kern="1200" baseline="0">
           <a:solidFill>
             <a:schemeClr val="tx1"/>
           </a:solidFill>
@@ -2919,8 +3525,19 @@
           <a:cs typeface="+mn-cs"/>
         </a:defRPr>
       </a:lvl6pPr>
-      <a:lvl7pPr marL="2743200" algn="l" defTabSz="914400" rtl="0" eaLnBrk="1" latinLnBrk="0" hangingPunct="1">
-        <a:defRPr kumimoji="1" sz="1800" kern="1200">
+      <a:lvl7pPr marL="2743200" lvl="6" indent="0" algn="l" defTabSz="914400" eaLnBrk="1" fontAlgn="base" latinLnBrk="0" hangingPunct="1">
+        <a:lnSpc>
+          <a:spcPct val="100000"/>
+        </a:lnSpc>
+        <a:spcBef>
+          <a:spcPct val="0"/>
+        </a:spcBef>
+        <a:spcAft>
+          <a:spcPct val="0"/>
+        </a:spcAft>
+        <a:buFont typeface="Arial" panose="020B0604020202020204" pitchFamily="34" charset="0"/>
+        <a:buNone/>
+        <a:defRPr sz="1800" b="0" i="0" u="none" kern="1200" baseline="0">
           <a:solidFill>
             <a:schemeClr val="tx1"/>
           </a:solidFill>
@@ -2929,8 +3546,19 @@
           <a:cs typeface="+mn-cs"/>
         </a:defRPr>
       </a:lvl7pPr>
-      <a:lvl8pPr marL="3200400" algn="l" defTabSz="914400" rtl="0" eaLnBrk="1" latinLnBrk="0" hangingPunct="1">
-        <a:defRPr kumimoji="1" sz="1800" kern="1200">
+      <a:lvl8pPr marL="3200400" lvl="7" indent="0" algn="l" defTabSz="914400" eaLnBrk="1" fontAlgn="base" latinLnBrk="0" hangingPunct="1">
+        <a:lnSpc>
+          <a:spcPct val="100000"/>
+        </a:lnSpc>
+        <a:spcBef>
+          <a:spcPct val="0"/>
+        </a:spcBef>
+        <a:spcAft>
+          <a:spcPct val="0"/>
+        </a:spcAft>
+        <a:buFont typeface="Arial" panose="020B0604020202020204" pitchFamily="34" charset="0"/>
+        <a:buNone/>
+        <a:defRPr sz="1800" b="0" i="0" u="none" kern="1200" baseline="0">
           <a:solidFill>
             <a:schemeClr val="tx1"/>
           </a:solidFill>
@@ -2939,8 +3567,19 @@
           <a:cs typeface="+mn-cs"/>
         </a:defRPr>
       </a:lvl8pPr>
-      <a:lvl9pPr marL="3657600" algn="l" defTabSz="914400" rtl="0" eaLnBrk="1" latinLnBrk="0" hangingPunct="1">
-        <a:defRPr kumimoji="1" sz="1800" kern="1200">
+      <a:lvl9pPr marL="3657600" lvl="8" indent="0" algn="l" defTabSz="914400" eaLnBrk="1" fontAlgn="base" latinLnBrk="0" hangingPunct="1">
+        <a:lnSpc>
+          <a:spcPct val="100000"/>
+        </a:lnSpc>
+        <a:spcBef>
+          <a:spcPct val="0"/>
+        </a:spcBef>
+        <a:spcAft>
+          <a:spcPct val="0"/>
+        </a:spcAft>
+        <a:buFont typeface="Arial" panose="020B0604020202020204" pitchFamily="34" charset="0"/>
+        <a:buNone/>
+        <a:defRPr sz="1800" b="0" i="0" u="none" kern="1200" baseline="0">
           <a:solidFill>
             <a:schemeClr val="tx1"/>
           </a:solidFill>
@@ -3047,8 +3686,8 @@
         </p:blipFill>
         <p:spPr>
           <a:xfrm>
-            <a:off x="2120900" y="196215"/>
-            <a:ext cx="8375015" cy="6501130"/>
+            <a:off x="3751580" y="1229995"/>
+            <a:ext cx="4687570" cy="4081145"/>
           </a:xfrm>
           <a:prstGeom prst="rect">
             <a:avLst/>
@@ -3545,11 +4184,7 @@
             </a:r>
             <a:r>
               <a:rPr lang="ja-JP" altLang="en-US"/>
-              <a:t>は参考サイトとしての「着物　たちばな</a:t>
-            </a:r>
-            <a:r>
-              <a:rPr lang="ja-JP" altLang="en-US"/>
-              <a:t>」</a:t>
+              <a:t>は参考サイトとしての「着物　たちばな」</a:t>
             </a:r>
             <a:endParaRPr lang="ja-JP" altLang="en-US"/>
           </a:p>
@@ -5086,116 +5721,56 @@
 </file>
 
 <file path=ppt/theme/theme1.xml><?xml version="1.0" encoding="utf-8"?>
-<a:theme xmlns:a="http://schemas.openxmlformats.org/drawingml/2006/main" name="Office テーマ">
+<a:theme xmlns:a="http://schemas.openxmlformats.org/drawingml/2006/main" name="標準デザイン">
   <a:themeElements>
-    <a:clrScheme name="Office">
+    <a:clrScheme name="">
       <a:dk1>
-        <a:sysClr val="windowText" lastClr="000000"/>
+        <a:srgbClr val="000000"/>
       </a:dk1>
       <a:lt1>
-        <a:sysClr val="window" lastClr="FFFFFF"/>
+        <a:srgbClr val="FFFFFF"/>
       </a:lt1>
       <a:dk2>
-        <a:srgbClr val="44546A"/>
+        <a:srgbClr val="000000"/>
       </a:dk2>
       <a:lt2>
-        <a:srgbClr val="E7E6E6"/>
+        <a:srgbClr val="808080"/>
       </a:lt2>
       <a:accent1>
-        <a:srgbClr val="5B9BD5"/>
+        <a:srgbClr val="7DB6EF"/>
       </a:accent1>
       <a:accent2>
-        <a:srgbClr val="ED7D31"/>
+        <a:srgbClr val="C0504D"/>
       </a:accent2>
       <a:accent3>
-        <a:srgbClr val="A5A5A5"/>
+        <a:srgbClr val="FFFFFF"/>
       </a:accent3>
       <a:accent4>
-        <a:srgbClr val="FFC000"/>
+        <a:srgbClr val="000000"/>
       </a:accent4>
       <a:accent5>
-        <a:srgbClr val="4472C4"/>
+        <a:srgbClr val="C0D7F5"/>
       </a:accent5>
       <a:accent6>
-        <a:srgbClr val="70AD47"/>
+        <a:srgbClr val="AC4744"/>
       </a:accent6>
       <a:hlink>
-        <a:srgbClr val="0563C1"/>
+        <a:srgbClr val="0066CC"/>
       </a:hlink>
       <a:folHlink>
-        <a:srgbClr val="954F72"/>
+        <a:srgbClr val="800080"/>
       </a:folHlink>
     </a:clrScheme>
-    <a:fontScheme name="Office">
+    <a:fontScheme name="">
       <a:majorFont>
-        <a:latin typeface="Calibri Light"/>
-        <a:ea typeface=""/>
+        <a:latin typeface="Arial"/>
+        <a:ea typeface="ＭＳ Ｐゴシック"/>
         <a:cs typeface=""/>
-        <a:font script="Jpan" typeface="ＭＳ Ｐゴシック"/>
-        <a:font script="Hang" typeface="맑은 고딕"/>
-        <a:font script="Hans" typeface="宋体"/>
-        <a:font script="Hant" typeface="新細明體"/>
-        <a:font script="Arab" typeface="Times New Roman"/>
-        <a:font script="Hebr" typeface="Times New Roman"/>
-        <a:font script="Thai" typeface="Angsana New"/>
-        <a:font script="Ethi" typeface="Nyala"/>
-        <a:font script="Beng" typeface="Vrinda"/>
-        <a:font script="Gujr" typeface="Shruti"/>
-        <a:font script="Khmr" typeface="MoolBoran"/>
-        <a:font script="Knda" typeface="Tunga"/>
-        <a:font script="Guru" typeface="Raavi"/>
-        <a:font script="Cans" typeface="Euphemia"/>
-        <a:font script="Cher" typeface="Plantagenet Cherokee"/>
-        <a:font script="Yiii" typeface="Microsoft Yi Baiti"/>
-        <a:font script="Tibt" typeface="Microsoft Himalaya"/>
-        <a:font script="Thaa" typeface="MV Boli"/>
-        <a:font script="Deva" typeface="Mangal"/>
-        <a:font script="Telu" typeface="Gautami"/>
-        <a:font script="Taml" typeface="Latha"/>
-        <a:font script="Syrc" typeface="Estrangelo Edessa"/>
-        <a:font script="Orya" typeface="Kalinga"/>
-        <a:font script="Mlym" typeface="Kartika"/>
-        <a:font script="Laoo" typeface="DokChampa"/>
-        <a:font script="Sinh" typeface="Iskoola Pota"/>
-        <a:font script="Mong" typeface="Mongolian Baiti"/>
-        <a:font script="Viet" typeface="Times New Roman"/>
-        <a:font script="Uigh" typeface="Microsoft Uighur"/>
-        <a:font script="Geor" typeface="Sylfaen"/>
       </a:majorFont>
       <a:minorFont>
-        <a:latin typeface="Calibri"/>
-        <a:ea typeface=""/>
+        <a:latin typeface="Arial"/>
+        <a:ea typeface="ＭＳ Ｐゴシック"/>
         <a:cs typeface=""/>
-        <a:font script="Jpan" typeface="ＭＳ Ｐゴシック"/>
-        <a:font script="Hang" typeface="맑은 고딕"/>
-        <a:font script="Hans" typeface="宋体"/>
-        <a:font script="Hant" typeface="新細明體"/>
-        <a:font script="Arab" typeface="Arial"/>
-        <a:font script="Hebr" typeface="Arial"/>
-        <a:font script="Thai" typeface="Cordia New"/>
-        <a:font script="Ethi" typeface="Nyala"/>
-        <a:font script="Beng" typeface="Vrinda"/>
-        <a:font script="Gujr" typeface="Shruti"/>
-        <a:font script="Khmr" typeface="DaunPenh"/>
-        <a:font script="Knda" typeface="Tunga"/>
-        <a:font script="Guru" typeface="Raavi"/>
-        <a:font script="Cans" typeface="Euphemia"/>
-        <a:font script="Cher" typeface="Plantagenet Cherokee"/>
-        <a:font script="Yiii" typeface="Microsoft Yi Baiti"/>
-        <a:font script="Tibt" typeface="Microsoft Himalaya"/>
-        <a:font script="Thaa" typeface="MV Boli"/>
-        <a:font script="Deva" typeface="Mangal"/>
-        <a:font script="Telu" typeface="Gautami"/>
-        <a:font script="Taml" typeface="Latha"/>
-        <a:font script="Syrc" typeface="Estrangelo Edessa"/>
-        <a:font script="Orya" typeface="Kalinga"/>
-        <a:font script="Mlym" typeface="Kartika"/>
-        <a:font script="Laoo" typeface="DokChampa"/>
-        <a:font script="Sinh" typeface="Iskoola Pota"/>
-        <a:font script="Mong" typeface="Mongolian Baiti"/>
-        <a:font script="Viet" typeface="Arial"/>
-        <a:font script="Uigh" typeface="Microsoft Uighur"/>
-        <a:font script="Geor" typeface="Sylfaen"/>
       </a:minorFont>
     </a:fontScheme>
     <a:fmtScheme name="Office">
@@ -5336,6 +5911,541 @@
       </a:bgFillStyleLst>
     </a:fmtScheme>
   </a:themeElements>
+  <a:extraClrSchemeLst>
+    <a:extraClrScheme>
+      <a:clrScheme name="">
+        <a:dk1>
+          <a:srgbClr val="000000"/>
+        </a:dk1>
+        <a:lt1>
+          <a:srgbClr val="F7F7FF"/>
+        </a:lt1>
+        <a:dk2>
+          <a:srgbClr val="000000"/>
+        </a:dk2>
+        <a:lt2>
+          <a:srgbClr val="808080"/>
+        </a:lt2>
+        <a:accent1>
+          <a:srgbClr val="7DB6EF"/>
+        </a:accent1>
+        <a:accent2>
+          <a:srgbClr val="C0504D"/>
+        </a:accent2>
+        <a:accent3>
+          <a:srgbClr val="FAFAFF"/>
+        </a:accent3>
+        <a:accent4>
+          <a:srgbClr val="000000"/>
+        </a:accent4>
+        <a:accent5>
+          <a:srgbClr val="C0D7F5"/>
+        </a:accent5>
+        <a:accent6>
+          <a:srgbClr val="AC4744"/>
+        </a:accent6>
+        <a:hlink>
+          <a:srgbClr val="0066CC"/>
+        </a:hlink>
+        <a:folHlink>
+          <a:srgbClr val="800080"/>
+        </a:folHlink>
+      </a:clrScheme>
+      <a:clrMap bg1="lt1" tx1="dk1" bg2="lt2" tx2="dk2" accent1="accent1" accent2="accent2" accent3="accent3" accent4="accent4" accent5="accent5" accent6="accent6" hlink="hlink" folHlink="folHlink"/>
+    </a:extraClrScheme>
+    <a:extraClrScheme>
+      <a:clrScheme name="">
+        <a:dk1>
+          <a:srgbClr val="000000"/>
+        </a:dk1>
+        <a:lt1>
+          <a:srgbClr val="FFFFFF"/>
+        </a:lt1>
+        <a:dk2>
+          <a:srgbClr val="000000"/>
+        </a:dk2>
+        <a:lt2>
+          <a:srgbClr val="969696"/>
+        </a:lt2>
+        <a:accent1>
+          <a:srgbClr val="FBDF53"/>
+        </a:accent1>
+        <a:accent2>
+          <a:srgbClr val="FF9966"/>
+        </a:accent2>
+        <a:accent3>
+          <a:srgbClr val="FFFFFF"/>
+        </a:accent3>
+        <a:accent4>
+          <a:srgbClr val="000000"/>
+        </a:accent4>
+        <a:accent5>
+          <a:srgbClr val="FDECB4"/>
+        </a:accent5>
+        <a:accent6>
+          <a:srgbClr val="E5895B"/>
+        </a:accent6>
+        <a:hlink>
+          <a:srgbClr val="CC3300"/>
+        </a:hlink>
+        <a:folHlink>
+          <a:srgbClr val="996600"/>
+        </a:folHlink>
+      </a:clrScheme>
+      <a:clrMap bg1="lt1" tx1="dk1" bg2="lt2" tx2="dk2" accent1="accent1" accent2="accent2" accent3="accent3" accent4="accent4" accent5="accent5" accent6="accent6" hlink="hlink" folHlink="folHlink"/>
+    </a:extraClrScheme>
+    <a:extraClrScheme>
+      <a:clrScheme name="">
+        <a:dk1>
+          <a:srgbClr val="000000"/>
+        </a:dk1>
+        <a:lt1>
+          <a:srgbClr val="FFFFFF"/>
+        </a:lt1>
+        <a:dk2>
+          <a:srgbClr val="000000"/>
+        </a:dk2>
+        <a:lt2>
+          <a:srgbClr val="808080"/>
+        </a:lt2>
+        <a:accent1>
+          <a:srgbClr val="99CCFF"/>
+        </a:accent1>
+        <a:accent2>
+          <a:srgbClr val="CCCCFF"/>
+        </a:accent2>
+        <a:accent3>
+          <a:srgbClr val="FFFFFF"/>
+        </a:accent3>
+        <a:accent4>
+          <a:srgbClr val="000000"/>
+        </a:accent4>
+        <a:accent5>
+          <a:srgbClr val="CAE2FF"/>
+        </a:accent5>
+        <a:accent6>
+          <a:srgbClr val="B7B7E5"/>
+        </a:accent6>
+        <a:hlink>
+          <a:srgbClr val="3333CC"/>
+        </a:hlink>
+        <a:folHlink>
+          <a:srgbClr val="AF67FF"/>
+        </a:folHlink>
+      </a:clrScheme>
+      <a:clrMap bg1="lt1" tx1="dk1" bg2="lt2" tx2="dk2" accent1="accent1" accent2="accent2" accent3="accent3" accent4="accent4" accent5="accent5" accent6="accent6" hlink="hlink" folHlink="folHlink"/>
+    </a:extraClrScheme>
+    <a:extraClrScheme>
+      <a:clrScheme name="">
+        <a:dk1>
+          <a:srgbClr val="000000"/>
+        </a:dk1>
+        <a:lt1>
+          <a:srgbClr val="DEF6F1"/>
+        </a:lt1>
+        <a:dk2>
+          <a:srgbClr val="000000"/>
+        </a:dk2>
+        <a:lt2>
+          <a:srgbClr val="969696"/>
+        </a:lt2>
+        <a:accent1>
+          <a:srgbClr val="FFFFFF"/>
+        </a:accent1>
+        <a:accent2>
+          <a:srgbClr val="8DC6FF"/>
+        </a:accent2>
+        <a:accent3>
+          <a:srgbClr val="EBFAF7"/>
+        </a:accent3>
+        <a:accent4>
+          <a:srgbClr val="000000"/>
+        </a:accent4>
+        <a:accent5>
+          <a:srgbClr val="FFFFFF"/>
+        </a:accent5>
+        <a:accent6>
+          <a:srgbClr val="7EB1E5"/>
+        </a:accent6>
+        <a:hlink>
+          <a:srgbClr val="0066CC"/>
+        </a:hlink>
+        <a:folHlink>
+          <a:srgbClr val="00A800"/>
+        </a:folHlink>
+      </a:clrScheme>
+      <a:clrMap bg1="lt1" tx1="dk1" bg2="lt2" tx2="dk2" accent1="accent1" accent2="accent2" accent3="accent3" accent4="accent4" accent5="accent5" accent6="accent6" hlink="hlink" folHlink="folHlink"/>
+    </a:extraClrScheme>
+    <a:extraClrScheme>
+      <a:clrScheme name="">
+        <a:dk1>
+          <a:srgbClr val="000000"/>
+        </a:dk1>
+        <a:lt1>
+          <a:srgbClr val="FFFFD9"/>
+        </a:lt1>
+        <a:dk2>
+          <a:srgbClr val="000000"/>
+        </a:dk2>
+        <a:lt2>
+          <a:srgbClr val="777777"/>
+        </a:lt2>
+        <a:accent1>
+          <a:srgbClr val="FFFFF7"/>
+        </a:accent1>
+        <a:accent2>
+          <a:srgbClr val="33CCCC"/>
+        </a:accent2>
+        <a:accent3>
+          <a:srgbClr val="FFFFE9"/>
+        </a:accent3>
+        <a:accent4>
+          <a:srgbClr val="000000"/>
+        </a:accent4>
+        <a:accent5>
+          <a:srgbClr val="FFFFFA"/>
+        </a:accent5>
+        <a:accent6>
+          <a:srgbClr val="2DB7B7"/>
+        </a:accent6>
+        <a:hlink>
+          <a:srgbClr val="FF5050"/>
+        </a:hlink>
+        <a:folHlink>
+          <a:srgbClr val="FF9900"/>
+        </a:folHlink>
+      </a:clrScheme>
+      <a:clrMap bg1="lt1" tx1="dk1" bg2="lt2" tx2="dk2" accent1="accent1" accent2="accent2" accent3="accent3" accent4="accent4" accent5="accent5" accent6="accent6" hlink="hlink" folHlink="folHlink"/>
+    </a:extraClrScheme>
+    <a:extraClrScheme>
+      <a:clrScheme name="">
+        <a:dk1>
+          <a:srgbClr val="FFFFFF"/>
+        </a:dk1>
+        <a:lt1>
+          <a:srgbClr val="008080"/>
+        </a:lt1>
+        <a:dk2>
+          <a:srgbClr val="FFFF99"/>
+        </a:dk2>
+        <a:lt2>
+          <a:srgbClr val="005A58"/>
+        </a:lt2>
+        <a:accent1>
+          <a:srgbClr val="006462"/>
+        </a:accent1>
+        <a:accent2>
+          <a:srgbClr val="6D6FC7"/>
+        </a:accent2>
+        <a:accent3>
+          <a:srgbClr val="AAC1C1"/>
+        </a:accent3>
+        <a:accent4>
+          <a:srgbClr val="DCDCDC"/>
+        </a:accent4>
+        <a:accent5>
+          <a:srgbClr val="AAB8B8"/>
+        </a:accent5>
+        <a:accent6>
+          <a:srgbClr val="6163B2"/>
+        </a:accent6>
+        <a:hlink>
+          <a:srgbClr val="00FFFF"/>
+        </a:hlink>
+        <a:folHlink>
+          <a:srgbClr val="00FF00"/>
+        </a:folHlink>
+      </a:clrScheme>
+      <a:clrMap bg1="lt1" tx1="dk1" bg2="lt2" tx2="dk2" accent1="accent1" accent2="accent2" accent3="accent3" accent4="accent4" accent5="accent5" accent6="accent6" hlink="hlink" folHlink="folHlink"/>
+    </a:extraClrScheme>
+    <a:extraClrScheme>
+      <a:clrScheme name="">
+        <a:dk1>
+          <a:srgbClr val="FFFFFF"/>
+        </a:dk1>
+        <a:lt1>
+          <a:srgbClr val="800000"/>
+        </a:lt1>
+        <a:dk2>
+          <a:srgbClr val="DFD293"/>
+        </a:dk2>
+        <a:lt2>
+          <a:srgbClr val="5C1F00"/>
+        </a:lt2>
+        <a:accent1>
+          <a:srgbClr val="CC3300"/>
+        </a:accent1>
+        <a:accent2>
+          <a:srgbClr val="BE7960"/>
+        </a:accent2>
+        <a:accent3>
+          <a:srgbClr val="C1AAAA"/>
+        </a:accent3>
+        <a:accent4>
+          <a:srgbClr val="DCDCDC"/>
+        </a:accent4>
+        <a:accent5>
+          <a:srgbClr val="E2ADAA"/>
+        </a:accent5>
+        <a:accent6>
+          <a:srgbClr val="AA6C55"/>
+        </a:accent6>
+        <a:hlink>
+          <a:srgbClr val="FFFF99"/>
+        </a:hlink>
+        <a:folHlink>
+          <a:srgbClr val="D3A219"/>
+        </a:folHlink>
+      </a:clrScheme>
+      <a:clrMap bg1="lt1" tx1="dk1" bg2="lt2" tx2="dk2" accent1="accent1" accent2="accent2" accent3="accent3" accent4="accent4" accent5="accent5" accent6="accent6" hlink="hlink" folHlink="folHlink"/>
+    </a:extraClrScheme>
+    <a:extraClrScheme>
+      <a:clrScheme name="">
+        <a:dk1>
+          <a:srgbClr val="FFFFFF"/>
+        </a:dk1>
+        <a:lt1>
+          <a:srgbClr val="000099"/>
+        </a:lt1>
+        <a:dk2>
+          <a:srgbClr val="CCFFFF"/>
+        </a:dk2>
+        <a:lt2>
+          <a:srgbClr val="003366"/>
+        </a:lt2>
+        <a:accent1>
+          <a:srgbClr val="3366CC"/>
+        </a:accent1>
+        <a:accent2>
+          <a:srgbClr val="00B000"/>
+        </a:accent2>
+        <a:accent3>
+          <a:srgbClr val="AAAACA"/>
+        </a:accent3>
+        <a:accent4>
+          <a:srgbClr val="DCDCDC"/>
+        </a:accent4>
+        <a:accent5>
+          <a:srgbClr val="ADB9E2"/>
+        </a:accent5>
+        <a:accent6>
+          <a:srgbClr val="009D00"/>
+        </a:accent6>
+        <a:hlink>
+          <a:srgbClr val="66CCFF"/>
+        </a:hlink>
+        <a:folHlink>
+          <a:srgbClr val="FFE701"/>
+        </a:folHlink>
+      </a:clrScheme>
+      <a:clrMap bg1="lt1" tx1="dk1" bg2="lt2" tx2="dk2" accent1="accent1" accent2="accent2" accent3="accent3" accent4="accent4" accent5="accent5" accent6="accent6" hlink="hlink" folHlink="folHlink"/>
+    </a:extraClrScheme>
+    <a:extraClrScheme>
+      <a:clrScheme name="">
+        <a:dk1>
+          <a:srgbClr val="FFFFFF"/>
+        </a:dk1>
+        <a:lt1>
+          <a:srgbClr val="000000"/>
+        </a:lt1>
+        <a:dk2>
+          <a:srgbClr val="E3EBF1"/>
+        </a:dk2>
+        <a:lt2>
+          <a:srgbClr val="336699"/>
+        </a:lt2>
+        <a:accent1>
+          <a:srgbClr val="003399"/>
+        </a:accent1>
+        <a:accent2>
+          <a:srgbClr val="468A4B"/>
+        </a:accent2>
+        <a:accent3>
+          <a:srgbClr val="AAAAAA"/>
+        </a:accent3>
+        <a:accent4>
+          <a:srgbClr val="DCDCDC"/>
+        </a:accent4>
+        <a:accent5>
+          <a:srgbClr val="AAADCA"/>
+        </a:accent5>
+        <a:accent6>
+          <a:srgbClr val="3E7B43"/>
+        </a:accent6>
+        <a:hlink>
+          <a:srgbClr val="66CCFF"/>
+        </a:hlink>
+        <a:folHlink>
+          <a:srgbClr val="F0E500"/>
+        </a:folHlink>
+      </a:clrScheme>
+      <a:clrMap bg1="lt1" tx1="dk1" bg2="lt2" tx2="dk2" accent1="accent1" accent2="accent2" accent3="accent3" accent4="accent4" accent5="accent5" accent6="accent6" hlink="hlink" folHlink="folHlink"/>
+    </a:extraClrScheme>
+    <a:extraClrScheme>
+      <a:clrScheme name="">
+        <a:dk1>
+          <a:srgbClr val="FFFFFF"/>
+        </a:dk1>
+        <a:lt1>
+          <a:srgbClr val="686B5D"/>
+        </a:lt1>
+        <a:dk2>
+          <a:srgbClr val="D1D1CB"/>
+        </a:dk2>
+        <a:lt2>
+          <a:srgbClr val="777777"/>
+        </a:lt2>
+        <a:accent1>
+          <a:srgbClr val="909082"/>
+        </a:accent1>
+        <a:accent2>
+          <a:srgbClr val="809EA8"/>
+        </a:accent2>
+        <a:accent3>
+          <a:srgbClr val="B9BAB6"/>
+        </a:accent3>
+        <a:accent4>
+          <a:srgbClr val="DCDCDC"/>
+        </a:accent4>
+        <a:accent5>
+          <a:srgbClr val="C7C7C1"/>
+        </a:accent5>
+        <a:accent6>
+          <a:srgbClr val="728D96"/>
+        </a:accent6>
+        <a:hlink>
+          <a:srgbClr val="FFCC66"/>
+        </a:hlink>
+        <a:folHlink>
+          <a:srgbClr val="E9DCB9"/>
+        </a:folHlink>
+      </a:clrScheme>
+      <a:clrMap bg1="lt1" tx1="dk1" bg2="lt2" tx2="dk2" accent1="accent1" accent2="accent2" accent3="accent3" accent4="accent4" accent5="accent5" accent6="accent6" hlink="hlink" folHlink="folHlink"/>
+    </a:extraClrScheme>
+    <a:extraClrScheme>
+      <a:clrScheme name="">
+        <a:dk1>
+          <a:srgbClr val="FFFFFF"/>
+        </a:dk1>
+        <a:lt1>
+          <a:srgbClr val="666699"/>
+        </a:lt1>
+        <a:dk2>
+          <a:srgbClr val="FFFFFF"/>
+        </a:dk2>
+        <a:lt2>
+          <a:srgbClr val="3E3E5C"/>
+        </a:lt2>
+        <a:accent1>
+          <a:srgbClr val="60597B"/>
+        </a:accent1>
+        <a:accent2>
+          <a:srgbClr val="6666FF"/>
+        </a:accent2>
+        <a:accent3>
+          <a:srgbClr val="B9B9CA"/>
+        </a:accent3>
+        <a:accent4>
+          <a:srgbClr val="DCDCDC"/>
+        </a:accent4>
+        <a:accent5>
+          <a:srgbClr val="B7B5BF"/>
+        </a:accent5>
+        <a:accent6>
+          <a:srgbClr val="5B5BE5"/>
+        </a:accent6>
+        <a:hlink>
+          <a:srgbClr val="99CCFF"/>
+        </a:hlink>
+        <a:folHlink>
+          <a:srgbClr val="FFFF99"/>
+        </a:folHlink>
+      </a:clrScheme>
+      <a:clrMap bg1="lt1" tx1="dk1" bg2="lt2" tx2="dk2" accent1="accent1" accent2="accent2" accent3="accent3" accent4="accent4" accent5="accent5" accent6="accent6" hlink="hlink" folHlink="folHlink"/>
+    </a:extraClrScheme>
+    <a:extraClrScheme>
+      <a:clrScheme name="">
+        <a:dk1>
+          <a:srgbClr val="FFFFFF"/>
+        </a:dk1>
+        <a:lt1>
+          <a:srgbClr val="523E26"/>
+        </a:lt1>
+        <a:dk2>
+          <a:srgbClr val="DFC08D"/>
+        </a:dk2>
+        <a:lt2>
+          <a:srgbClr val="2D2015"/>
+        </a:lt2>
+        <a:accent1>
+          <a:srgbClr val="8C7B70"/>
+        </a:accent1>
+        <a:accent2>
+          <a:srgbClr val="8F5F2F"/>
+        </a:accent2>
+        <a:accent3>
+          <a:srgbClr val="B3AFAB"/>
+        </a:accent3>
+        <a:accent4>
+          <a:srgbClr val="DCDCDC"/>
+        </a:accent4>
+        <a:accent5>
+          <a:srgbClr val="C5BFBC"/>
+        </a:accent5>
+        <a:accent6>
+          <a:srgbClr val="805529"/>
+        </a:accent6>
+        <a:hlink>
+          <a:srgbClr val="CCB400"/>
+        </a:hlink>
+        <a:folHlink>
+          <a:srgbClr val="8C9EA0"/>
+        </a:folHlink>
+      </a:clrScheme>
+      <a:clrMap bg1="lt1" tx1="dk1" bg2="lt2" tx2="dk2" accent1="accent1" accent2="accent2" accent3="accent3" accent4="accent4" accent5="accent5" accent6="accent6" hlink="hlink" folHlink="folHlink"/>
+    </a:extraClrScheme>
+    <a:extraClrScheme>
+      <a:clrScheme name="">
+        <a:dk1>
+          <a:srgbClr val="000000"/>
+        </a:dk1>
+        <a:lt1>
+          <a:srgbClr val="FFFFFF"/>
+        </a:lt1>
+        <a:dk2>
+          <a:srgbClr val="000000"/>
+        </a:dk2>
+        <a:lt2>
+          <a:srgbClr val="808080"/>
+        </a:lt2>
+        <a:accent1>
+          <a:srgbClr val="7DB6EF"/>
+        </a:accent1>
+        <a:accent2>
+          <a:srgbClr val="C0504D"/>
+        </a:accent2>
+        <a:accent3>
+          <a:srgbClr val="FFFFFF"/>
+        </a:accent3>
+        <a:accent4>
+          <a:srgbClr val="000000"/>
+        </a:accent4>
+        <a:accent5>
+          <a:srgbClr val="C0D7F5"/>
+        </a:accent5>
+        <a:accent6>
+          <a:srgbClr val="AC4744"/>
+        </a:accent6>
+        <a:hlink>
+          <a:srgbClr val="0066CC"/>
+        </a:hlink>
+        <a:folHlink>
+          <a:srgbClr val="800080"/>
+        </a:folHlink>
+      </a:clrScheme>
+      <a:clrMap bg1="lt1" tx1="dk1" bg2="lt2" tx2="dk2" accent1="accent1" accent2="accent2" accent3="accent3" accent4="accent4" accent5="accent5" accent6="accent6" hlink="hlink" folHlink="folHlink"/>
+    </a:extraClrScheme>
+  </a:extraClrSchemeLst>
   <a:extLst>
     <a:ext uri="{05A4C25C-085E-4340-85A3-A5531E510DB2}">
       <thm15:themeFamily xmlns:thm15="http://schemas.microsoft.com/office/thememl/2012/main" name="Office Theme" id="{62F939B6-93AF-4DB8-9C6B-D6C7DFDC589F}" vid="{4A3C46E8-61CC-4603-A589-7422A47A8E4A}"/>
